--- a/Front-End/NextJS/NextJS 시작하기.pptx
+++ b/Front-End/NextJS/NextJS 시작하기.pptx
@@ -5,15 +5,23 @@
     <p:sldMasterId id="2147483659" r:id="rId1"/>
   </p:sldMasterIdLst>
   <p:notesMasterIdLst>
-    <p:notesMasterId r:id="rId5"/>
+    <p:notesMasterId r:id="rId13"/>
   </p:notesMasterIdLst>
   <p:handoutMasterIdLst>
-    <p:handoutMasterId r:id="rId6"/>
+    <p:handoutMasterId r:id="rId14"/>
   </p:handoutMasterIdLst>
   <p:sldIdLst>
     <p:sldId id="615" r:id="rId2"/>
     <p:sldId id="1127" r:id="rId3"/>
     <p:sldId id="1128" r:id="rId4"/>
+    <p:sldId id="1136" r:id="rId5"/>
+    <p:sldId id="1131" r:id="rId6"/>
+    <p:sldId id="1129" r:id="rId7"/>
+    <p:sldId id="1130" r:id="rId8"/>
+    <p:sldId id="1132" r:id="rId9"/>
+    <p:sldId id="1133" r:id="rId10"/>
+    <p:sldId id="1134" r:id="rId11"/>
+    <p:sldId id="1135" r:id="rId12"/>
   </p:sldIdLst>
   <p:sldSz cx="9144000" cy="6858000" type="screen4x3"/>
   <p:notesSz cx="6865938" cy="9998075"/>
@@ -246,7 +254,7 @@
           <a:p>
             <a:fld id="{0701E38F-D71B-4628-B377-F26FA834EB07}" type="datetimeFigureOut">
               <a:rPr lang="ko-KR" altLang="en-US" smtClean="0"/>
-              <a:t>2022-12-07</a:t>
+              <a:t>2023-03-07</a:t>
             </a:fld>
             <a:endParaRPr lang="ko-KR" altLang="en-US"/>
           </a:p>
@@ -412,7 +420,7 @@
             <a:fld id="{BC75A1C1-99F9-4ED1-B968-97F8F766565C}" type="datetimeFigureOut">
               <a:rPr lang="ko-KR" altLang="en-US" smtClean="0"/>
               <a:pPr/>
-              <a:t>2022-12-07</a:t>
+              <a:t>2023-03-07</a:t>
             </a:fld>
             <a:endParaRPr lang="ko-KR" altLang="en-US"/>
           </a:p>
@@ -2459,7 +2467,7 @@
 </p:sld>
 </file>
 
-<file path=ppt/slides/slide2.xml><?xml version="1.0" encoding="utf-8"?>
+<file path=ppt/slides/slide10.xml><?xml version="1.0" encoding="utf-8"?>
 <p:sld xmlns:a="http://schemas.openxmlformats.org/drawingml/2006/main" xmlns:r="http://schemas.openxmlformats.org/officeDocument/2006/relationships" xmlns:p="http://schemas.openxmlformats.org/presentationml/2006/main">
   <p:cSld>
     <p:spTree>
@@ -2499,11 +2507,18 @@
           <a:lstStyle/>
           <a:p>
             <a:r>
-              <a:rPr lang="en-US" altLang="ko-KR" sz="2400" dirty="0" err="1" smtClean="0">
+              <a:rPr lang="en-US" altLang="ko-KR" sz="2400" dirty="0">
                 <a:latin typeface="HY헤드라인M" pitchFamily="18" charset="-127"/>
                 <a:ea typeface="HY헤드라인M" pitchFamily="18" charset="-127"/>
               </a:rPr>
-              <a:t>NextJS</a:t>
+              <a:t>_</a:t>
+            </a:r>
+            <a:r>
+              <a:rPr lang="en-US" altLang="ko-KR" sz="2400" dirty="0" smtClean="0">
+                <a:latin typeface="HY헤드라인M" pitchFamily="18" charset="-127"/>
+                <a:ea typeface="HY헤드라인M" pitchFamily="18" charset="-127"/>
+              </a:rPr>
+              <a:t>app.js</a:t>
             </a:r>
             <a:endParaRPr lang="ko-KR" altLang="en-US" sz="2400" dirty="0">
               <a:latin typeface="HY헤드라인M" pitchFamily="18" charset="-127"/>
@@ -2592,7 +2607,7 @@
                 </a:solidFill>
                 <a:latin typeface="+mn-ea"/>
               </a:rPr>
-              <a:t>개요</a:t>
+              <a:t>정의</a:t>
             </a:r>
             <a:endParaRPr lang="en-US" altLang="ko-KR" sz="2000" dirty="0" smtClean="0">
               <a:solidFill>
@@ -2610,49 +2625,48 @@
               <a:buChar char="•"/>
             </a:pPr>
             <a:r>
-              <a:rPr lang="en-US" altLang="ko-KR" sz="1600" dirty="0"/>
-              <a:t>Next.js gives you the best developer experience with all the features you need for production: hybrid static &amp; server rendering, </a:t>
-            </a:r>
-            <a:r>
-              <a:rPr lang="en-US" altLang="ko-KR" sz="1600" dirty="0" err="1"/>
-              <a:t>TypeScript</a:t>
-            </a:r>
-            <a:r>
-              <a:rPr lang="en-US" altLang="ko-KR" sz="1600" dirty="0"/>
-              <a:t> support, smart bundling, route pre-fetching, and more. No </a:t>
-            </a:r>
-            <a:r>
-              <a:rPr lang="en-US" altLang="ko-KR" sz="1600" dirty="0" err="1"/>
-              <a:t>config</a:t>
-            </a:r>
-            <a:r>
-              <a:rPr lang="en-US" altLang="ko-KR" sz="1600" dirty="0"/>
-              <a:t> needed.</a:t>
-            </a:r>
-            <a:endParaRPr kumimoji="0" lang="en-US" altLang="ko-KR" sz="1200" dirty="0" smtClean="0">
+              <a:rPr lang="en-US" altLang="ko-KR" sz="1400" dirty="0" smtClean="0">
+                <a:solidFill>
+                  <a:srgbClr val="FF0000"/>
+                </a:solidFill>
+              </a:rPr>
+              <a:t>_app</a:t>
+            </a:r>
+            <a:r>
+              <a:rPr lang="ko-KR" altLang="en-US" sz="1400" dirty="0">
+                <a:solidFill>
+                  <a:srgbClr val="FF0000"/>
+                </a:solidFill>
+              </a:rPr>
+              <a:t>은 서버로 요청이 들어왔을 때 가장 먼저 실행되는 컴포넌트로</a:t>
+            </a:r>
+            <a:r>
+              <a:rPr lang="en-US" altLang="ko-KR" sz="1400" dirty="0">
+                <a:solidFill>
+                  <a:srgbClr val="FF0000"/>
+                </a:solidFill>
+              </a:rPr>
+              <a:t>, </a:t>
+            </a:r>
+            <a:r>
+              <a:rPr lang="ko-KR" altLang="en-US" sz="1400" dirty="0">
+                <a:solidFill>
+                  <a:srgbClr val="FF0000"/>
+                </a:solidFill>
+              </a:rPr>
+              <a:t>페이지에 적용할 공통 레이아웃의 역할을 합니다</a:t>
+            </a:r>
+            <a:r>
+              <a:rPr lang="en-US" altLang="ko-KR" sz="1400" dirty="0">
+                <a:solidFill>
+                  <a:srgbClr val="FF0000"/>
+                </a:solidFill>
+              </a:rPr>
+              <a:t>.</a:t>
+            </a:r>
+            <a:endParaRPr kumimoji="0" lang="en-US" altLang="ko-KR" sz="1400" dirty="0" smtClean="0">
               <a:solidFill>
-                <a:schemeClr val="tx1"/>
-              </a:solidFill>
-              <a:latin typeface="+mn-ea"/>
-            </a:endParaRPr>
-          </a:p>
-          <a:p>
-            <a:pPr lvl="1"/>
-            <a:endParaRPr kumimoji="0" lang="en-US" altLang="ko-KR" sz="1000" dirty="0" smtClean="0">
-              <a:solidFill>
-                <a:schemeClr val="tx1"/>
-              </a:solidFill>
-              <a:latin typeface="+mn-ea"/>
-            </a:endParaRPr>
-          </a:p>
-          <a:p>
-            <a:pPr marL="800100" lvl="1" indent="-342900">
-              <a:buFont typeface="Arial" panose="020B0604020202020204" pitchFamily="34" charset="0"/>
-              <a:buChar char="•"/>
-            </a:pPr>
-            <a:endParaRPr kumimoji="0" lang="en-US" altLang="ko-KR" sz="1000" dirty="0" smtClean="0">
-              <a:solidFill>
-                <a:schemeClr val="tx1"/>
+                <a:srgbClr val="70AD47"/>
               </a:solidFill>
               <a:latin typeface="+mn-ea"/>
             </a:endParaRPr>
@@ -2662,7 +2676,7 @@
     </p:spTree>
     <p:extLst>
       <p:ext uri="{BB962C8B-B14F-4D97-AF65-F5344CB8AC3E}">
-        <p14:creationId xmlns:p14="http://schemas.microsoft.com/office/powerpoint/2010/main" val="980751617"/>
+        <p14:creationId xmlns:p14="http://schemas.microsoft.com/office/powerpoint/2010/main" val="1281919501"/>
       </p:ext>
     </p:extLst>
   </p:cSld>
@@ -2679,7 +2693,7 @@
 </p:sld>
 </file>
 
-<file path=ppt/slides/slide3.xml><?xml version="1.0" encoding="utf-8"?>
+<file path=ppt/slides/slide11.xml><?xml version="1.0" encoding="utf-8"?>
 <p:sld xmlns:a="http://schemas.openxmlformats.org/drawingml/2006/main" xmlns:r="http://schemas.openxmlformats.org/officeDocument/2006/relationships" xmlns:p="http://schemas.openxmlformats.org/presentationml/2006/main">
   <p:cSld>
     <p:spTree>
@@ -2719,11 +2733,18 @@
           <a:lstStyle/>
           <a:p>
             <a:r>
-              <a:rPr lang="en-US" altLang="ko-KR" sz="2400" dirty="0" err="1" smtClean="0">
+              <a:rPr lang="en-US" altLang="ko-KR" sz="2400" dirty="0">
                 <a:latin typeface="HY헤드라인M" pitchFamily="18" charset="-127"/>
                 <a:ea typeface="HY헤드라인M" pitchFamily="18" charset="-127"/>
               </a:rPr>
-              <a:t>NextJS</a:t>
+              <a:t>_</a:t>
+            </a:r>
+            <a:r>
+              <a:rPr lang="en-US" altLang="ko-KR" sz="2400" dirty="0" smtClean="0">
+                <a:latin typeface="HY헤드라인M" pitchFamily="18" charset="-127"/>
+                <a:ea typeface="HY헤드라인M" pitchFamily="18" charset="-127"/>
+              </a:rPr>
+              <a:t>document.js</a:t>
             </a:r>
             <a:endParaRPr lang="ko-KR" altLang="en-US" sz="2400" dirty="0">
               <a:latin typeface="HY헤드라인M" pitchFamily="18" charset="-127"/>
@@ -2806,14 +2827,20 @@
               <a:buChar char="Ø"/>
             </a:pPr>
             <a:r>
-              <a:rPr lang="en-US" altLang="ko-KR" sz="2000" dirty="0">
+              <a:rPr lang="ko-KR" altLang="en-US" sz="2000" dirty="0" smtClean="0">
                 <a:solidFill>
                   <a:srgbClr val="0000FF"/>
                 </a:solidFill>
                 <a:latin typeface="+mn-ea"/>
               </a:rPr>
-              <a:t>Building Blocks of a Web Application</a:t>
-            </a:r>
+              <a:t>정의</a:t>
+            </a:r>
+            <a:endParaRPr lang="en-US" altLang="ko-KR" sz="2000" dirty="0" smtClean="0">
+              <a:solidFill>
+                <a:srgbClr val="0000FF"/>
+              </a:solidFill>
+              <a:latin typeface="+mn-ea"/>
+            </a:endParaRPr>
           </a:p>
           <a:p>
             <a:pPr marL="742950" lvl="1" indent="-285750" latinLnBrk="0">
@@ -2824,9 +2851,295 @@
               <a:buChar char="•"/>
             </a:pPr>
             <a:r>
-              <a:rPr lang="en-US" altLang="ko-KR" sz="1400" dirty="0"/>
-              <a:t>User Interface - how users will consume and interact with your application.</a:t>
-            </a:r>
+              <a:rPr lang="en-US" altLang="ko-KR" sz="1400" dirty="0">
+                <a:solidFill>
+                  <a:srgbClr val="FF0000"/>
+                </a:solidFill>
+              </a:rPr>
+              <a:t>_document</a:t>
+            </a:r>
+            <a:r>
+              <a:rPr lang="ko-KR" altLang="en-US" sz="1400" dirty="0">
+                <a:solidFill>
+                  <a:srgbClr val="FF0000"/>
+                </a:solidFill>
+              </a:rPr>
+              <a:t>는 </a:t>
+            </a:r>
+            <a:r>
+              <a:rPr lang="en-US" altLang="ko-KR" sz="1400" dirty="0">
+                <a:solidFill>
+                  <a:srgbClr val="FF0000"/>
+                </a:solidFill>
+              </a:rPr>
+              <a:t>_app </a:t>
+            </a:r>
+            <a:r>
+              <a:rPr lang="ko-KR" altLang="en-US" sz="1400" dirty="0">
+                <a:solidFill>
+                  <a:srgbClr val="FF0000"/>
+                </a:solidFill>
+              </a:rPr>
+              <a:t>다음에 실행되며</a:t>
+            </a:r>
+            <a:r>
+              <a:rPr lang="en-US" altLang="ko-KR" sz="1400" dirty="0">
+                <a:solidFill>
+                  <a:srgbClr val="FF0000"/>
+                </a:solidFill>
+              </a:rPr>
+              <a:t>, </a:t>
+            </a:r>
+            <a:r>
+              <a:rPr lang="ko-KR" altLang="en-US" sz="1400" dirty="0">
+                <a:solidFill>
+                  <a:srgbClr val="FF0000"/>
+                </a:solidFill>
+              </a:rPr>
+              <a:t>공통적으로 활용할 </a:t>
+            </a:r>
+            <a:r>
+              <a:rPr lang="en-US" altLang="ko-KR" sz="1400" dirty="0">
+                <a:solidFill>
+                  <a:srgbClr val="FF0000"/>
+                </a:solidFill>
+              </a:rPr>
+              <a:t>&lt;head&gt; (Ex. </a:t>
+            </a:r>
+            <a:r>
+              <a:rPr lang="ko-KR" altLang="en-US" sz="1400" dirty="0">
+                <a:solidFill>
+                  <a:srgbClr val="FF0000"/>
+                </a:solidFill>
+              </a:rPr>
+              <a:t>메타 태그</a:t>
+            </a:r>
+            <a:r>
+              <a:rPr lang="en-US" altLang="ko-KR" sz="1400" dirty="0">
+                <a:solidFill>
+                  <a:srgbClr val="FF0000"/>
+                </a:solidFill>
+              </a:rPr>
+              <a:t>)</a:t>
+            </a:r>
+            <a:r>
+              <a:rPr lang="ko-KR" altLang="en-US" sz="1400" dirty="0">
+                <a:solidFill>
+                  <a:srgbClr val="FF0000"/>
+                </a:solidFill>
+              </a:rPr>
+              <a:t>나 </a:t>
+            </a:r>
+            <a:r>
+              <a:rPr lang="en-US" altLang="ko-KR" sz="1400" dirty="0">
+                <a:solidFill>
+                  <a:srgbClr val="FF0000"/>
+                </a:solidFill>
+              </a:rPr>
+              <a:t>&lt;body&gt; </a:t>
+            </a:r>
+            <a:r>
+              <a:rPr lang="ko-KR" altLang="en-US" sz="1400" dirty="0">
+                <a:solidFill>
+                  <a:srgbClr val="FF0000"/>
+                </a:solidFill>
+              </a:rPr>
+              <a:t>태그 안에 들어갈 내용들을 </a:t>
+            </a:r>
+            <a:r>
+              <a:rPr lang="ko-KR" altLang="en-US" sz="1400" dirty="0" smtClean="0">
+                <a:solidFill>
+                  <a:srgbClr val="FF0000"/>
+                </a:solidFill>
+              </a:rPr>
+              <a:t>사용자 정의 할 때 </a:t>
+            </a:r>
+            <a:r>
+              <a:rPr lang="ko-KR" altLang="en-US" sz="1400" dirty="0">
+                <a:solidFill>
+                  <a:srgbClr val="FF0000"/>
+                </a:solidFill>
+              </a:rPr>
+              <a:t>활용합니다</a:t>
+            </a:r>
+            <a:r>
+              <a:rPr lang="en-US" altLang="ko-KR" sz="1400" dirty="0">
+                <a:solidFill>
+                  <a:srgbClr val="FF0000"/>
+                </a:solidFill>
+              </a:rPr>
+              <a:t>.</a:t>
+            </a:r>
+            <a:endParaRPr kumimoji="0" lang="en-US" altLang="ko-KR" sz="1400" dirty="0" smtClean="0">
+              <a:solidFill>
+                <a:srgbClr val="70AD47"/>
+              </a:solidFill>
+              <a:latin typeface="+mn-ea"/>
+            </a:endParaRPr>
+          </a:p>
+        </p:txBody>
+      </p:sp>
+    </p:spTree>
+    <p:extLst>
+      <p:ext uri="{BB962C8B-B14F-4D97-AF65-F5344CB8AC3E}">
+        <p14:creationId xmlns:p14="http://schemas.microsoft.com/office/powerpoint/2010/main" val="805855271"/>
+      </p:ext>
+    </p:extLst>
+  </p:cSld>
+  <p:clrMapOvr>
+    <a:masterClrMapping/>
+  </p:clrMapOvr>
+  <p:timing>
+    <p:tnLst>
+      <p:par>
+        <p:cTn id="1" dur="indefinite" restart="never" nodeType="tmRoot"/>
+      </p:par>
+    </p:tnLst>
+  </p:timing>
+</p:sld>
+</file>
+
+<file path=ppt/slides/slide2.xml><?xml version="1.0" encoding="utf-8"?>
+<p:sld xmlns:a="http://schemas.openxmlformats.org/drawingml/2006/main" xmlns:r="http://schemas.openxmlformats.org/officeDocument/2006/relationships" xmlns:p="http://schemas.openxmlformats.org/presentationml/2006/main">
+  <p:cSld>
+    <p:spTree>
+      <p:nvGrpSpPr>
+        <p:cNvPr id="1" name=""/>
+        <p:cNvGrpSpPr/>
+        <p:nvPr/>
+      </p:nvGrpSpPr>
+      <p:grpSpPr>
+        <a:xfrm>
+          <a:off x="0" y="0"/>
+          <a:ext cx="0" cy="0"/>
+          <a:chOff x="0" y="0"/>
+          <a:chExt cx="0" cy="0"/>
+        </a:xfrm>
+      </p:grpSpPr>
+      <p:sp>
+        <p:nvSpPr>
+          <p:cNvPr id="3" name="TextBox 2"/>
+          <p:cNvSpPr txBox="1"/>
+          <p:nvPr/>
+        </p:nvSpPr>
+        <p:spPr>
+          <a:xfrm>
+            <a:off x="548640" y="470346"/>
+            <a:ext cx="8055807" cy="461665"/>
+          </a:xfrm>
+          <a:prstGeom prst="rect">
+            <a:avLst/>
+          </a:prstGeom>
+          <a:noFill/>
+        </p:spPr>
+        <p:txBody>
+          <a:bodyPr wrap="square" rtlCol="0">
+            <a:spAutoFit/>
+          </a:bodyPr>
+          <a:lstStyle/>
+          <a:p>
+            <a:r>
+              <a:rPr lang="en-US" altLang="ko-KR" sz="2400" dirty="0" err="1" smtClean="0">
+                <a:latin typeface="HY헤드라인M" pitchFamily="18" charset="-127"/>
+                <a:ea typeface="HY헤드라인M" pitchFamily="18" charset="-127"/>
+              </a:rPr>
+              <a:t>NextJS</a:t>
+            </a:r>
+            <a:endParaRPr lang="ko-KR" altLang="en-US" sz="2400" dirty="0">
+              <a:latin typeface="HY헤드라인M" pitchFamily="18" charset="-127"/>
+              <a:ea typeface="HY헤드라인M" pitchFamily="18" charset="-127"/>
+            </a:endParaRPr>
+          </a:p>
+        </p:txBody>
+      </p:sp>
+      <p:pic>
+        <p:nvPicPr>
+          <p:cNvPr id="2" name="그림 1"/>
+          <p:cNvPicPr>
+            <a:picLocks noChangeAspect="1"/>
+          </p:cNvPicPr>
+          <p:nvPr/>
+        </p:nvPicPr>
+        <p:blipFill>
+          <a:blip r:embed="rId2" cstate="print">
+            <a:extLst>
+              <a:ext uri="{28A0092B-C50C-407E-A947-70E740481C1C}">
+                <a14:useLocalDpi xmlns:a14="http://schemas.microsoft.com/office/drawing/2010/main" val="0"/>
+              </a:ext>
+            </a:extLst>
+          </a:blip>
+          <a:stretch>
+            <a:fillRect/>
+          </a:stretch>
+        </p:blipFill>
+        <p:spPr>
+          <a:xfrm>
+            <a:off x="7596744" y="2925352"/>
+            <a:ext cx="71600" cy="71600"/>
+          </a:xfrm>
+          <a:prstGeom prst="rect">
+            <a:avLst/>
+          </a:prstGeom>
+        </p:spPr>
+      </p:pic>
+      <p:sp>
+        <p:nvSpPr>
+          <p:cNvPr id="5" name="모서리가 둥근 직사각형 4"/>
+          <p:cNvSpPr/>
+          <p:nvPr/>
+        </p:nvSpPr>
+        <p:spPr>
+          <a:xfrm>
+            <a:off x="430567" y="1268760"/>
+            <a:ext cx="8164465" cy="5345844"/>
+          </a:xfrm>
+          <a:prstGeom prst="roundRect">
+            <a:avLst>
+              <a:gd name="adj" fmla="val 8134"/>
+            </a:avLst>
+          </a:prstGeom>
+          <a:ln/>
+        </p:spPr>
+        <p:style>
+          <a:lnRef idx="2">
+            <a:schemeClr val="accent1"/>
+          </a:lnRef>
+          <a:fillRef idx="1">
+            <a:schemeClr val="lt1"/>
+          </a:fillRef>
+          <a:effectRef idx="0">
+            <a:schemeClr val="accent1"/>
+          </a:effectRef>
+          <a:fontRef idx="minor">
+            <a:schemeClr val="dk1"/>
+          </a:fontRef>
+        </p:style>
+        <p:txBody>
+          <a:bodyPr rtlCol="0" anchor="t"/>
+          <a:lstStyle/>
+          <a:p>
+            <a:pPr marL="285750" indent="-285750">
+              <a:lnSpc>
+                <a:spcPct val="150000"/>
+              </a:lnSpc>
+              <a:buFont typeface="Wingdings" panose="05000000000000000000" pitchFamily="2" charset="2"/>
+              <a:buChar char="Ø"/>
+            </a:pPr>
+            <a:r>
+              <a:rPr lang="ko-KR" altLang="en-US" sz="2000" dirty="0" smtClean="0">
+                <a:solidFill>
+                  <a:srgbClr val="0000FF"/>
+                </a:solidFill>
+                <a:latin typeface="+mn-ea"/>
+              </a:rPr>
+              <a:t>개요</a:t>
+            </a:r>
+            <a:endParaRPr lang="en-US" altLang="ko-KR" sz="2000" dirty="0" smtClean="0">
+              <a:solidFill>
+                <a:srgbClr val="0000FF"/>
+              </a:solidFill>
+              <a:latin typeface="+mn-ea"/>
+            </a:endParaRPr>
           </a:p>
           <a:p>
             <a:pPr marL="742950" lvl="1" indent="-285750" latinLnBrk="0">
@@ -2837,8 +3150,209 @@
               <a:buChar char="•"/>
             </a:pPr>
             <a:r>
-              <a:rPr lang="en-US" altLang="ko-KR" sz="1400" dirty="0"/>
-              <a:t>Routing - how users navigate between different parts of your application.</a:t>
+              <a:rPr lang="en-US" altLang="ko-KR" sz="1600" dirty="0"/>
+              <a:t>Next.js gives you the best developer experience with all the features you need for production: hybrid static &amp; server rendering, </a:t>
+            </a:r>
+            <a:r>
+              <a:rPr lang="en-US" altLang="ko-KR" sz="1600" dirty="0" err="1"/>
+              <a:t>TypeScript</a:t>
+            </a:r>
+            <a:r>
+              <a:rPr lang="en-US" altLang="ko-KR" sz="1600" dirty="0"/>
+              <a:t> support, smart bundling, route pre-fetching, and more. No </a:t>
+            </a:r>
+            <a:r>
+              <a:rPr lang="en-US" altLang="ko-KR" sz="1600" dirty="0" err="1"/>
+              <a:t>config</a:t>
+            </a:r>
+            <a:r>
+              <a:rPr lang="en-US" altLang="ko-KR" sz="1600" dirty="0"/>
+              <a:t> needed.</a:t>
+            </a:r>
+            <a:endParaRPr kumimoji="0" lang="en-US" altLang="ko-KR" sz="1200" dirty="0" smtClean="0">
+              <a:solidFill>
+                <a:schemeClr val="tx1"/>
+              </a:solidFill>
+              <a:latin typeface="+mn-ea"/>
+            </a:endParaRPr>
+          </a:p>
+          <a:p>
+            <a:pPr lvl="1"/>
+            <a:endParaRPr kumimoji="0" lang="en-US" altLang="ko-KR" sz="1000" dirty="0" smtClean="0">
+              <a:solidFill>
+                <a:schemeClr val="tx1"/>
+              </a:solidFill>
+              <a:latin typeface="+mn-ea"/>
+            </a:endParaRPr>
+          </a:p>
+          <a:p>
+            <a:pPr marL="800100" lvl="1" indent="-342900">
+              <a:buFont typeface="Arial" panose="020B0604020202020204" pitchFamily="34" charset="0"/>
+              <a:buChar char="•"/>
+            </a:pPr>
+            <a:endParaRPr kumimoji="0" lang="en-US" altLang="ko-KR" sz="1000" dirty="0" smtClean="0">
+              <a:solidFill>
+                <a:schemeClr val="tx1"/>
+              </a:solidFill>
+              <a:latin typeface="+mn-ea"/>
+            </a:endParaRPr>
+          </a:p>
+        </p:txBody>
+      </p:sp>
+    </p:spTree>
+    <p:extLst>
+      <p:ext uri="{BB962C8B-B14F-4D97-AF65-F5344CB8AC3E}">
+        <p14:creationId xmlns:p14="http://schemas.microsoft.com/office/powerpoint/2010/main" val="980751617"/>
+      </p:ext>
+    </p:extLst>
+  </p:cSld>
+  <p:clrMapOvr>
+    <a:masterClrMapping/>
+  </p:clrMapOvr>
+  <p:timing>
+    <p:tnLst>
+      <p:par>
+        <p:cTn id="1" dur="indefinite" restart="never" nodeType="tmRoot"/>
+      </p:par>
+    </p:tnLst>
+  </p:timing>
+</p:sld>
+</file>
+
+<file path=ppt/slides/slide3.xml><?xml version="1.0" encoding="utf-8"?>
+<p:sld xmlns:a="http://schemas.openxmlformats.org/drawingml/2006/main" xmlns:r="http://schemas.openxmlformats.org/officeDocument/2006/relationships" xmlns:p="http://schemas.openxmlformats.org/presentationml/2006/main">
+  <p:cSld>
+    <p:spTree>
+      <p:nvGrpSpPr>
+        <p:cNvPr id="1" name=""/>
+        <p:cNvGrpSpPr/>
+        <p:nvPr/>
+      </p:nvGrpSpPr>
+      <p:grpSpPr>
+        <a:xfrm>
+          <a:off x="0" y="0"/>
+          <a:ext cx="0" cy="0"/>
+          <a:chOff x="0" y="0"/>
+          <a:chExt cx="0" cy="0"/>
+        </a:xfrm>
+      </p:grpSpPr>
+      <p:sp>
+        <p:nvSpPr>
+          <p:cNvPr id="3" name="TextBox 2"/>
+          <p:cNvSpPr txBox="1"/>
+          <p:nvPr/>
+        </p:nvSpPr>
+        <p:spPr>
+          <a:xfrm>
+            <a:off x="548640" y="470346"/>
+            <a:ext cx="8055807" cy="461665"/>
+          </a:xfrm>
+          <a:prstGeom prst="rect">
+            <a:avLst/>
+          </a:prstGeom>
+          <a:noFill/>
+        </p:spPr>
+        <p:txBody>
+          <a:bodyPr wrap="square" rtlCol="0">
+            <a:spAutoFit/>
+          </a:bodyPr>
+          <a:lstStyle/>
+          <a:p>
+            <a:r>
+              <a:rPr lang="en-US" altLang="ko-KR" sz="2400" dirty="0" err="1" smtClean="0">
+                <a:latin typeface="HY헤드라인M" pitchFamily="18" charset="-127"/>
+                <a:ea typeface="HY헤드라인M" pitchFamily="18" charset="-127"/>
+              </a:rPr>
+              <a:t>NextJS</a:t>
+            </a:r>
+            <a:endParaRPr lang="ko-KR" altLang="en-US" sz="2400" dirty="0">
+              <a:latin typeface="HY헤드라인M" pitchFamily="18" charset="-127"/>
+              <a:ea typeface="HY헤드라인M" pitchFamily="18" charset="-127"/>
+            </a:endParaRPr>
+          </a:p>
+        </p:txBody>
+      </p:sp>
+      <p:pic>
+        <p:nvPicPr>
+          <p:cNvPr id="2" name="그림 1"/>
+          <p:cNvPicPr>
+            <a:picLocks noChangeAspect="1"/>
+          </p:cNvPicPr>
+          <p:nvPr/>
+        </p:nvPicPr>
+        <p:blipFill>
+          <a:blip r:embed="rId2" cstate="print">
+            <a:extLst>
+              <a:ext uri="{28A0092B-C50C-407E-A947-70E740481C1C}">
+                <a14:useLocalDpi xmlns:a14="http://schemas.microsoft.com/office/drawing/2010/main" val="0"/>
+              </a:ext>
+            </a:extLst>
+          </a:blip>
+          <a:stretch>
+            <a:fillRect/>
+          </a:stretch>
+        </p:blipFill>
+        <p:spPr>
+          <a:xfrm>
+            <a:off x="7596744" y="2925352"/>
+            <a:ext cx="71600" cy="71600"/>
+          </a:xfrm>
+          <a:prstGeom prst="rect">
+            <a:avLst/>
+          </a:prstGeom>
+        </p:spPr>
+      </p:pic>
+      <p:sp>
+        <p:nvSpPr>
+          <p:cNvPr id="5" name="모서리가 둥근 직사각형 4"/>
+          <p:cNvSpPr/>
+          <p:nvPr/>
+        </p:nvSpPr>
+        <p:spPr>
+          <a:xfrm>
+            <a:off x="430567" y="1268760"/>
+            <a:ext cx="8164465" cy="5345844"/>
+          </a:xfrm>
+          <a:prstGeom prst="roundRect">
+            <a:avLst>
+              <a:gd name="adj" fmla="val 8134"/>
+            </a:avLst>
+          </a:prstGeom>
+          <a:ln/>
+        </p:spPr>
+        <p:style>
+          <a:lnRef idx="2">
+            <a:schemeClr val="accent1"/>
+          </a:lnRef>
+          <a:fillRef idx="1">
+            <a:schemeClr val="lt1"/>
+          </a:fillRef>
+          <a:effectRef idx="0">
+            <a:schemeClr val="accent1"/>
+          </a:effectRef>
+          <a:fontRef idx="minor">
+            <a:schemeClr val="dk1"/>
+          </a:fontRef>
+        </p:style>
+        <p:txBody>
+          <a:bodyPr rtlCol="0" anchor="t"/>
+          <a:lstStyle/>
+          <a:p>
+            <a:pPr marL="285750" indent="-285750">
+              <a:lnSpc>
+                <a:spcPct val="150000"/>
+              </a:lnSpc>
+              <a:buFont typeface="Wingdings" panose="05000000000000000000" pitchFamily="2" charset="2"/>
+              <a:buChar char="Ø"/>
+            </a:pPr>
+            <a:r>
+              <a:rPr lang="en-US" altLang="ko-KR" sz="2000" dirty="0">
+                <a:solidFill>
+                  <a:srgbClr val="0000FF"/>
+                </a:solidFill>
+                <a:latin typeface="+mn-ea"/>
+              </a:rPr>
+              <a:t>Building Blocks of a Web Application</a:t>
             </a:r>
           </a:p>
           <a:p>
@@ -2851,7 +3365,7 @@
             </a:pPr>
             <a:r>
               <a:rPr lang="en-US" altLang="ko-KR" sz="1400" dirty="0"/>
-              <a:t>Data Fetching - where your data lives and how to get it.</a:t>
+              <a:t>User Interface - how users will consume and interact with your application.</a:t>
             </a:r>
           </a:p>
           <a:p>
@@ -2864,11 +3378,7 @@
             </a:pPr>
             <a:r>
               <a:rPr lang="en-US" altLang="ko-KR" sz="1400" dirty="0"/>
-              <a:t>Rendering - when and where you render static or dynamic content</a:t>
-            </a:r>
-            <a:r>
-              <a:rPr lang="en-US" altLang="ko-KR" sz="1400" dirty="0" smtClean="0"/>
-              <a:t>.</a:t>
+              <a:t>Routing - how users navigate between different parts of your application.</a:t>
             </a:r>
           </a:p>
           <a:p>
@@ -2880,49 +3390,8 @@
               <a:buChar char="•"/>
             </a:pPr>
             <a:r>
-              <a:rPr kumimoji="0" lang="en-US" altLang="ko-KR" sz="1400" dirty="0">
-                <a:solidFill>
-                  <a:schemeClr val="tx1"/>
-                </a:solidFill>
-                <a:latin typeface="+mn-ea"/>
-              </a:rPr>
-              <a:t>Integrations - what third-party services you use (CMS, </a:t>
-            </a:r>
-            <a:r>
-              <a:rPr kumimoji="0" lang="en-US" altLang="ko-KR" sz="1400" dirty="0" err="1">
-                <a:solidFill>
-                  <a:schemeClr val="tx1"/>
-                </a:solidFill>
-                <a:latin typeface="+mn-ea"/>
-              </a:rPr>
-              <a:t>auth</a:t>
-            </a:r>
-            <a:r>
-              <a:rPr kumimoji="0" lang="en-US" altLang="ko-KR" sz="1400" dirty="0">
-                <a:solidFill>
-                  <a:schemeClr val="tx1"/>
-                </a:solidFill>
-                <a:latin typeface="+mn-ea"/>
-              </a:rPr>
-              <a:t>, payments, </a:t>
-            </a:r>
-            <a:r>
-              <a:rPr kumimoji="0" lang="en-US" altLang="ko-KR" sz="1400" dirty="0" err="1">
-                <a:solidFill>
-                  <a:schemeClr val="tx1"/>
-                </a:solidFill>
-                <a:latin typeface="+mn-ea"/>
-              </a:rPr>
-              <a:t>etc</a:t>
-            </a:r>
-            <a:r>
-              <a:rPr kumimoji="0" lang="en-US" altLang="ko-KR" sz="1400" dirty="0">
-                <a:solidFill>
-                  <a:schemeClr val="tx1"/>
-                </a:solidFill>
-                <a:latin typeface="+mn-ea"/>
-              </a:rPr>
-              <a:t>) and how you connect to them.</a:t>
+              <a:rPr lang="en-US" altLang="ko-KR" sz="1400" dirty="0"/>
+              <a:t>Data Fetching - where your data lives and how to get it.</a:t>
             </a:r>
           </a:p>
           <a:p>
@@ -2934,49 +3403,12 @@
               <a:buChar char="•"/>
             </a:pPr>
             <a:r>
-              <a:rPr kumimoji="0" lang="en-US" altLang="ko-KR" sz="1400" dirty="0">
-                <a:solidFill>
-                  <a:schemeClr val="tx1"/>
-                </a:solidFill>
-                <a:latin typeface="+mn-ea"/>
-              </a:rPr>
-              <a:t>Infrastructure - where you deploy, store, and run your application code (</a:t>
-            </a:r>
-            <a:r>
-              <a:rPr kumimoji="0" lang="en-US" altLang="ko-KR" sz="1400" dirty="0" err="1">
-                <a:solidFill>
-                  <a:schemeClr val="tx1"/>
-                </a:solidFill>
-                <a:latin typeface="+mn-ea"/>
-              </a:rPr>
-              <a:t>Serverless</a:t>
-            </a:r>
-            <a:r>
-              <a:rPr kumimoji="0" lang="en-US" altLang="ko-KR" sz="1400" dirty="0">
-                <a:solidFill>
-                  <a:schemeClr val="tx1"/>
-                </a:solidFill>
-                <a:latin typeface="+mn-ea"/>
-              </a:rPr>
-              <a:t>, CDN, Edge, </a:t>
-            </a:r>
-            <a:r>
-              <a:rPr kumimoji="0" lang="en-US" altLang="ko-KR" sz="1400" dirty="0" err="1">
-                <a:solidFill>
-                  <a:schemeClr val="tx1"/>
-                </a:solidFill>
-                <a:latin typeface="+mn-ea"/>
-              </a:rPr>
-              <a:t>etc</a:t>
-            </a:r>
-            <a:r>
-              <a:rPr kumimoji="0" lang="en-US" altLang="ko-KR" sz="1400" dirty="0">
-                <a:solidFill>
-                  <a:schemeClr val="tx1"/>
-                </a:solidFill>
-                <a:latin typeface="+mn-ea"/>
-              </a:rPr>
-              <a:t>).</a:t>
+              <a:rPr lang="en-US" altLang="ko-KR" sz="1400" dirty="0"/>
+              <a:t>Rendering - when and where you render static or dynamic content</a:t>
+            </a:r>
+            <a:r>
+              <a:rPr lang="en-US" altLang="ko-KR" sz="1400" dirty="0" smtClean="0"/>
+              <a:t>.</a:t>
             </a:r>
           </a:p>
           <a:p>
@@ -2994,7 +3426,43 @@
                 </a:solidFill>
                 <a:latin typeface="+mn-ea"/>
               </a:rPr>
-              <a:t>Performance - how to optimize your application for end-users.</a:t>
+              <a:t>Integrations - what third-party services you use (CMS, </a:t>
+            </a:r>
+            <a:r>
+              <a:rPr kumimoji="0" lang="en-US" altLang="ko-KR" sz="1400" dirty="0" err="1">
+                <a:solidFill>
+                  <a:schemeClr val="tx1"/>
+                </a:solidFill>
+                <a:latin typeface="+mn-ea"/>
+              </a:rPr>
+              <a:t>auth</a:t>
+            </a:r>
+            <a:r>
+              <a:rPr kumimoji="0" lang="en-US" altLang="ko-KR" sz="1400" dirty="0">
+                <a:solidFill>
+                  <a:schemeClr val="tx1"/>
+                </a:solidFill>
+                <a:latin typeface="+mn-ea"/>
+              </a:rPr>
+              <a:t>, payments, </a:t>
+            </a:r>
+            <a:r>
+              <a:rPr kumimoji="0" lang="en-US" altLang="ko-KR" sz="1400" dirty="0" err="1">
+                <a:solidFill>
+                  <a:schemeClr val="tx1"/>
+                </a:solidFill>
+                <a:latin typeface="+mn-ea"/>
+              </a:rPr>
+              <a:t>etc</a:t>
+            </a:r>
+            <a:r>
+              <a:rPr kumimoji="0" lang="en-US" altLang="ko-KR" sz="1400" dirty="0">
+                <a:solidFill>
+                  <a:schemeClr val="tx1"/>
+                </a:solidFill>
+                <a:latin typeface="+mn-ea"/>
+              </a:rPr>
+              <a:t>) and how you connect to them.</a:t>
             </a:r>
           </a:p>
           <a:p>
@@ -3012,7 +3480,43 @@
                 </a:solidFill>
                 <a:latin typeface="+mn-ea"/>
               </a:rPr>
-              <a:t>Scalability - how your application adapts as your team, data, and traffic grow.</a:t>
+              <a:t>Infrastructure - where you deploy, store, and run your application code (</a:t>
+            </a:r>
+            <a:r>
+              <a:rPr kumimoji="0" lang="en-US" altLang="ko-KR" sz="1400" dirty="0" err="1">
+                <a:solidFill>
+                  <a:schemeClr val="tx1"/>
+                </a:solidFill>
+                <a:latin typeface="+mn-ea"/>
+              </a:rPr>
+              <a:t>Serverless</a:t>
+            </a:r>
+            <a:r>
+              <a:rPr kumimoji="0" lang="en-US" altLang="ko-KR" sz="1400" dirty="0">
+                <a:solidFill>
+                  <a:schemeClr val="tx1"/>
+                </a:solidFill>
+                <a:latin typeface="+mn-ea"/>
+              </a:rPr>
+              <a:t>, CDN, Edge, </a:t>
+            </a:r>
+            <a:r>
+              <a:rPr kumimoji="0" lang="en-US" altLang="ko-KR" sz="1400" dirty="0" err="1">
+                <a:solidFill>
+                  <a:schemeClr val="tx1"/>
+                </a:solidFill>
+                <a:latin typeface="+mn-ea"/>
+              </a:rPr>
+              <a:t>etc</a:t>
+            </a:r>
+            <a:r>
+              <a:rPr kumimoji="0" lang="en-US" altLang="ko-KR" sz="1400" dirty="0">
+                <a:solidFill>
+                  <a:schemeClr val="tx1"/>
+                </a:solidFill>
+                <a:latin typeface="+mn-ea"/>
+              </a:rPr>
+              <a:t>).</a:t>
             </a:r>
           </a:p>
           <a:p>
@@ -3030,6 +3534,42 @@
                 </a:solidFill>
                 <a:latin typeface="+mn-ea"/>
               </a:rPr>
+              <a:t>Performance - how to optimize your application for end-users.</a:t>
+            </a:r>
+          </a:p>
+          <a:p>
+            <a:pPr marL="742950" lvl="1" indent="-285750" latinLnBrk="0">
+              <a:lnSpc>
+                <a:spcPct val="150000"/>
+              </a:lnSpc>
+              <a:buFont typeface="Arial" panose="020B0604020202020204" pitchFamily="34" charset="0"/>
+              <a:buChar char="•"/>
+            </a:pPr>
+            <a:r>
+              <a:rPr kumimoji="0" lang="en-US" altLang="ko-KR" sz="1400" dirty="0">
+                <a:solidFill>
+                  <a:schemeClr val="tx1"/>
+                </a:solidFill>
+                <a:latin typeface="+mn-ea"/>
+              </a:rPr>
+              <a:t>Scalability - how your application adapts as your team, data, and traffic grow.</a:t>
+            </a:r>
+          </a:p>
+          <a:p>
+            <a:pPr marL="742950" lvl="1" indent="-285750" latinLnBrk="0">
+              <a:lnSpc>
+                <a:spcPct val="150000"/>
+              </a:lnSpc>
+              <a:buFont typeface="Arial" panose="020B0604020202020204" pitchFamily="34" charset="0"/>
+              <a:buChar char="•"/>
+            </a:pPr>
+            <a:r>
+              <a:rPr kumimoji="0" lang="en-US" altLang="ko-KR" sz="1400" dirty="0">
+                <a:solidFill>
+                  <a:schemeClr val="tx1"/>
+                </a:solidFill>
+                <a:latin typeface="+mn-ea"/>
+              </a:rPr>
               <a:t>Developer Experience - your team’s experience building and maintaining your application.</a:t>
             </a:r>
             <a:endParaRPr kumimoji="0" lang="en-US" altLang="ko-KR" sz="1400" dirty="0" smtClean="0">
@@ -3045,6 +3585,2846 @@
     <p:extLst>
       <p:ext uri="{BB962C8B-B14F-4D97-AF65-F5344CB8AC3E}">
         <p14:creationId xmlns:p14="http://schemas.microsoft.com/office/powerpoint/2010/main" val="1577664711"/>
+      </p:ext>
+    </p:extLst>
+  </p:cSld>
+  <p:clrMapOvr>
+    <a:masterClrMapping/>
+  </p:clrMapOvr>
+  <p:timing>
+    <p:tnLst>
+      <p:par>
+        <p:cTn id="1" dur="indefinite" restart="never" nodeType="tmRoot"/>
+      </p:par>
+    </p:tnLst>
+  </p:timing>
+</p:sld>
+</file>
+
+<file path=ppt/slides/slide4.xml><?xml version="1.0" encoding="utf-8"?>
+<p:sld xmlns:a="http://schemas.openxmlformats.org/drawingml/2006/main" xmlns:r="http://schemas.openxmlformats.org/officeDocument/2006/relationships" xmlns:p="http://schemas.openxmlformats.org/presentationml/2006/main">
+  <p:cSld>
+    <p:spTree>
+      <p:nvGrpSpPr>
+        <p:cNvPr id="1" name=""/>
+        <p:cNvGrpSpPr/>
+        <p:nvPr/>
+      </p:nvGrpSpPr>
+      <p:grpSpPr>
+        <a:xfrm>
+          <a:off x="0" y="0"/>
+          <a:ext cx="0" cy="0"/>
+          <a:chOff x="0" y="0"/>
+          <a:chExt cx="0" cy="0"/>
+        </a:xfrm>
+      </p:grpSpPr>
+      <p:sp>
+        <p:nvSpPr>
+          <p:cNvPr id="3" name="TextBox 2"/>
+          <p:cNvSpPr txBox="1"/>
+          <p:nvPr/>
+        </p:nvSpPr>
+        <p:spPr>
+          <a:xfrm>
+            <a:off x="548640" y="470346"/>
+            <a:ext cx="8055807" cy="461665"/>
+          </a:xfrm>
+          <a:prstGeom prst="rect">
+            <a:avLst/>
+          </a:prstGeom>
+          <a:noFill/>
+        </p:spPr>
+        <p:txBody>
+          <a:bodyPr wrap="square" rtlCol="0">
+            <a:spAutoFit/>
+          </a:bodyPr>
+          <a:lstStyle/>
+          <a:p>
+            <a:r>
+              <a:rPr lang="en-US" altLang="ko-KR" sz="2400" dirty="0" err="1" smtClean="0">
+                <a:latin typeface="HY헤드라인M" pitchFamily="18" charset="-127"/>
+                <a:ea typeface="HY헤드라인M" pitchFamily="18" charset="-127"/>
+              </a:rPr>
+              <a:t>NextJS</a:t>
+            </a:r>
+            <a:endParaRPr lang="ko-KR" altLang="en-US" sz="2400" dirty="0">
+              <a:latin typeface="HY헤드라인M" pitchFamily="18" charset="-127"/>
+              <a:ea typeface="HY헤드라인M" pitchFamily="18" charset="-127"/>
+            </a:endParaRPr>
+          </a:p>
+        </p:txBody>
+      </p:sp>
+      <p:pic>
+        <p:nvPicPr>
+          <p:cNvPr id="2" name="그림 1"/>
+          <p:cNvPicPr>
+            <a:picLocks noChangeAspect="1"/>
+          </p:cNvPicPr>
+          <p:nvPr/>
+        </p:nvPicPr>
+        <p:blipFill>
+          <a:blip r:embed="rId2" cstate="print">
+            <a:extLst>
+              <a:ext uri="{28A0092B-C50C-407E-A947-70E740481C1C}">
+                <a14:useLocalDpi xmlns:a14="http://schemas.microsoft.com/office/drawing/2010/main" val="0"/>
+              </a:ext>
+            </a:extLst>
+          </a:blip>
+          <a:stretch>
+            <a:fillRect/>
+          </a:stretch>
+        </p:blipFill>
+        <p:spPr>
+          <a:xfrm>
+            <a:off x="7596744" y="2925352"/>
+            <a:ext cx="71600" cy="71600"/>
+          </a:xfrm>
+          <a:prstGeom prst="rect">
+            <a:avLst/>
+          </a:prstGeom>
+        </p:spPr>
+      </p:pic>
+      <p:sp>
+        <p:nvSpPr>
+          <p:cNvPr id="5" name="모서리가 둥근 직사각형 4"/>
+          <p:cNvSpPr/>
+          <p:nvPr/>
+        </p:nvSpPr>
+        <p:spPr>
+          <a:xfrm>
+            <a:off x="430567" y="1268760"/>
+            <a:ext cx="8164465" cy="5345844"/>
+          </a:xfrm>
+          <a:prstGeom prst="roundRect">
+            <a:avLst>
+              <a:gd name="adj" fmla="val 8134"/>
+            </a:avLst>
+          </a:prstGeom>
+          <a:ln/>
+        </p:spPr>
+        <p:style>
+          <a:lnRef idx="2">
+            <a:schemeClr val="accent1"/>
+          </a:lnRef>
+          <a:fillRef idx="1">
+            <a:schemeClr val="lt1"/>
+          </a:fillRef>
+          <a:effectRef idx="0">
+            <a:schemeClr val="accent1"/>
+          </a:effectRef>
+          <a:fontRef idx="minor">
+            <a:schemeClr val="dk1"/>
+          </a:fontRef>
+        </p:style>
+        <p:txBody>
+          <a:bodyPr rtlCol="0" anchor="t"/>
+          <a:lstStyle/>
+          <a:p>
+            <a:pPr marL="285750" indent="-285750">
+              <a:lnSpc>
+                <a:spcPct val="150000"/>
+              </a:lnSpc>
+              <a:buFont typeface="Wingdings" panose="05000000000000000000" pitchFamily="2" charset="2"/>
+              <a:buChar char="Ø"/>
+            </a:pPr>
+            <a:r>
+              <a:rPr lang="ko-KR" altLang="en-US" sz="2000" dirty="0" smtClean="0">
+                <a:solidFill>
+                  <a:srgbClr val="0000FF"/>
+                </a:solidFill>
+                <a:latin typeface="+mn-ea"/>
+              </a:rPr>
+              <a:t>특징</a:t>
+            </a:r>
+            <a:endParaRPr lang="en-US" altLang="ko-KR" sz="2000" dirty="0" smtClean="0">
+              <a:solidFill>
+                <a:srgbClr val="0000FF"/>
+              </a:solidFill>
+              <a:latin typeface="+mn-ea"/>
+            </a:endParaRPr>
+          </a:p>
+          <a:p>
+            <a:pPr marL="742950" lvl="1" indent="-285750" latinLnBrk="0">
+              <a:lnSpc>
+                <a:spcPct val="150000"/>
+              </a:lnSpc>
+              <a:buFont typeface="Arial" panose="020B0604020202020204" pitchFamily="34" charset="0"/>
+              <a:buChar char="•"/>
+            </a:pPr>
+            <a:r>
+              <a:rPr lang="en-US" altLang="ko-KR" sz="1400" smtClean="0"/>
+              <a:t>hot </a:t>
+            </a:r>
+            <a:r>
+              <a:rPr lang="en-US" altLang="ko-KR" sz="1400" dirty="0"/>
+              <a:t>reloading</a:t>
+            </a:r>
+          </a:p>
+          <a:p>
+            <a:pPr marL="742950" lvl="1" indent="-285750" latinLnBrk="0">
+              <a:lnSpc>
+                <a:spcPct val="150000"/>
+              </a:lnSpc>
+              <a:buFont typeface="Arial" panose="020B0604020202020204" pitchFamily="34" charset="0"/>
+              <a:buChar char="•"/>
+            </a:pPr>
+            <a:r>
+              <a:rPr lang="en-US" altLang="ko-KR" sz="1400" dirty="0"/>
+              <a:t>automatic routing</a:t>
+            </a:r>
+          </a:p>
+          <a:p>
+            <a:pPr marL="742950" lvl="1" indent="-285750" latinLnBrk="0">
+              <a:lnSpc>
+                <a:spcPct val="150000"/>
+              </a:lnSpc>
+              <a:buFont typeface="Arial" panose="020B0604020202020204" pitchFamily="34" charset="0"/>
+              <a:buChar char="•"/>
+            </a:pPr>
+            <a:r>
+              <a:rPr lang="en-US" altLang="ko-KR" sz="1400" dirty="0"/>
+              <a:t>single file components</a:t>
+            </a:r>
+          </a:p>
+          <a:p>
+            <a:pPr marL="742950" lvl="1" indent="-285750" latinLnBrk="0">
+              <a:lnSpc>
+                <a:spcPct val="150000"/>
+              </a:lnSpc>
+              <a:buFont typeface="Arial" panose="020B0604020202020204" pitchFamily="34" charset="0"/>
+              <a:buChar char="•"/>
+            </a:pPr>
+            <a:r>
+              <a:rPr lang="ko-KR" altLang="en-US" sz="1400" dirty="0"/>
+              <a:t>글로벌 스타일 정의</a:t>
+            </a:r>
+          </a:p>
+          <a:p>
+            <a:pPr marL="742950" lvl="1" indent="-285750" latinLnBrk="0">
+              <a:lnSpc>
+                <a:spcPct val="150000"/>
+              </a:lnSpc>
+              <a:buFont typeface="Arial" panose="020B0604020202020204" pitchFamily="34" charset="0"/>
+              <a:buChar char="•"/>
+            </a:pPr>
+            <a:r>
+              <a:rPr lang="en-US" altLang="ko-KR" sz="1400" dirty="0"/>
+              <a:t>server rendering</a:t>
+            </a:r>
+          </a:p>
+          <a:p>
+            <a:pPr marL="742950" lvl="1" indent="-285750" latinLnBrk="0">
+              <a:lnSpc>
+                <a:spcPct val="150000"/>
+              </a:lnSpc>
+              <a:buFont typeface="Arial" panose="020B0604020202020204" pitchFamily="34" charset="0"/>
+              <a:buChar char="•"/>
+            </a:pPr>
+            <a:r>
+              <a:rPr lang="en-US" altLang="ko-KR" sz="1400" dirty="0"/>
+              <a:t>code splitting</a:t>
+            </a:r>
+          </a:p>
+          <a:p>
+            <a:pPr marL="742950" lvl="1" indent="-285750" latinLnBrk="0">
+              <a:lnSpc>
+                <a:spcPct val="150000"/>
+              </a:lnSpc>
+              <a:buFont typeface="Arial" panose="020B0604020202020204" pitchFamily="34" charset="0"/>
+              <a:buChar char="•"/>
+            </a:pPr>
+            <a:r>
+              <a:rPr lang="en-US" altLang="ko-KR" sz="1400" dirty="0" smtClean="0"/>
+              <a:t>typescript</a:t>
+            </a:r>
+            <a:endParaRPr lang="en-US" altLang="ko-KR" sz="1400" dirty="0"/>
+          </a:p>
+        </p:txBody>
+      </p:sp>
+    </p:spTree>
+    <p:extLst>
+      <p:ext uri="{BB962C8B-B14F-4D97-AF65-F5344CB8AC3E}">
+        <p14:creationId xmlns:p14="http://schemas.microsoft.com/office/powerpoint/2010/main" val="4194367448"/>
+      </p:ext>
+    </p:extLst>
+  </p:cSld>
+  <p:clrMapOvr>
+    <a:masterClrMapping/>
+  </p:clrMapOvr>
+  <p:timing>
+    <p:tnLst>
+      <p:par>
+        <p:cTn id="1" dur="indefinite" restart="never" nodeType="tmRoot"/>
+      </p:par>
+    </p:tnLst>
+  </p:timing>
+</p:sld>
+</file>
+
+<file path=ppt/slides/slide5.xml><?xml version="1.0" encoding="utf-8"?>
+<p:sld xmlns:a="http://schemas.openxmlformats.org/drawingml/2006/main" xmlns:r="http://schemas.openxmlformats.org/officeDocument/2006/relationships" xmlns:p="http://schemas.openxmlformats.org/presentationml/2006/main">
+  <p:cSld>
+    <p:spTree>
+      <p:nvGrpSpPr>
+        <p:cNvPr id="1" name=""/>
+        <p:cNvGrpSpPr/>
+        <p:nvPr/>
+      </p:nvGrpSpPr>
+      <p:grpSpPr>
+        <a:xfrm>
+          <a:off x="0" y="0"/>
+          <a:ext cx="0" cy="0"/>
+          <a:chOff x="0" y="0"/>
+          <a:chExt cx="0" cy="0"/>
+        </a:xfrm>
+      </p:grpSpPr>
+      <p:sp>
+        <p:nvSpPr>
+          <p:cNvPr id="3" name="TextBox 2"/>
+          <p:cNvSpPr txBox="1"/>
+          <p:nvPr/>
+        </p:nvSpPr>
+        <p:spPr>
+          <a:xfrm>
+            <a:off x="548640" y="470346"/>
+            <a:ext cx="8055807" cy="461665"/>
+          </a:xfrm>
+          <a:prstGeom prst="rect">
+            <a:avLst/>
+          </a:prstGeom>
+          <a:noFill/>
+        </p:spPr>
+        <p:txBody>
+          <a:bodyPr wrap="square" rtlCol="0">
+            <a:spAutoFit/>
+          </a:bodyPr>
+          <a:lstStyle/>
+          <a:p>
+            <a:r>
+              <a:rPr lang="en-US" altLang="ko-KR" sz="2400" dirty="0" err="1" smtClean="0">
+                <a:latin typeface="HY헤드라인M" pitchFamily="18" charset="-127"/>
+                <a:ea typeface="HY헤드라인M" pitchFamily="18" charset="-127"/>
+              </a:rPr>
+              <a:t>NextJS</a:t>
+            </a:r>
+            <a:r>
+              <a:rPr lang="en-US" altLang="ko-KR" sz="2400" dirty="0" smtClean="0">
+                <a:latin typeface="HY헤드라인M" pitchFamily="18" charset="-127"/>
+                <a:ea typeface="HY헤드라인M" pitchFamily="18" charset="-127"/>
+              </a:rPr>
+              <a:t> vs React</a:t>
+            </a:r>
+            <a:endParaRPr lang="ko-KR" altLang="en-US" sz="2400" dirty="0">
+              <a:latin typeface="HY헤드라인M" pitchFamily="18" charset="-127"/>
+              <a:ea typeface="HY헤드라인M" pitchFamily="18" charset="-127"/>
+            </a:endParaRPr>
+          </a:p>
+        </p:txBody>
+      </p:sp>
+      <p:pic>
+        <p:nvPicPr>
+          <p:cNvPr id="2" name="그림 1"/>
+          <p:cNvPicPr>
+            <a:picLocks noChangeAspect="1"/>
+          </p:cNvPicPr>
+          <p:nvPr/>
+        </p:nvPicPr>
+        <p:blipFill>
+          <a:blip r:embed="rId2" cstate="print">
+            <a:extLst>
+              <a:ext uri="{28A0092B-C50C-407E-A947-70E740481C1C}">
+                <a14:useLocalDpi xmlns:a14="http://schemas.microsoft.com/office/drawing/2010/main" val="0"/>
+              </a:ext>
+            </a:extLst>
+          </a:blip>
+          <a:stretch>
+            <a:fillRect/>
+          </a:stretch>
+        </p:blipFill>
+        <p:spPr>
+          <a:xfrm>
+            <a:off x="7596744" y="2925352"/>
+            <a:ext cx="71600" cy="71600"/>
+          </a:xfrm>
+          <a:prstGeom prst="rect">
+            <a:avLst/>
+          </a:prstGeom>
+        </p:spPr>
+      </p:pic>
+      <p:sp>
+        <p:nvSpPr>
+          <p:cNvPr id="5" name="모서리가 둥근 직사각형 4"/>
+          <p:cNvSpPr/>
+          <p:nvPr/>
+        </p:nvSpPr>
+        <p:spPr>
+          <a:xfrm>
+            <a:off x="439982" y="1268760"/>
+            <a:ext cx="8164465" cy="5345844"/>
+          </a:xfrm>
+          <a:prstGeom prst="roundRect">
+            <a:avLst>
+              <a:gd name="adj" fmla="val 8134"/>
+            </a:avLst>
+          </a:prstGeom>
+          <a:ln/>
+        </p:spPr>
+        <p:style>
+          <a:lnRef idx="2">
+            <a:schemeClr val="accent1"/>
+          </a:lnRef>
+          <a:fillRef idx="1">
+            <a:schemeClr val="lt1"/>
+          </a:fillRef>
+          <a:effectRef idx="0">
+            <a:schemeClr val="accent1"/>
+          </a:effectRef>
+          <a:fontRef idx="minor">
+            <a:schemeClr val="dk1"/>
+          </a:fontRef>
+        </p:style>
+        <p:txBody>
+          <a:bodyPr rtlCol="0" anchor="t"/>
+          <a:lstStyle/>
+          <a:p>
+            <a:pPr marL="285750" indent="-285750">
+              <a:lnSpc>
+                <a:spcPct val="150000"/>
+              </a:lnSpc>
+              <a:buFont typeface="Wingdings" panose="05000000000000000000" pitchFamily="2" charset="2"/>
+              <a:buChar char="Ø"/>
+            </a:pPr>
+            <a:r>
+              <a:rPr lang="ko-KR" altLang="en-US" sz="2000" dirty="0" smtClean="0">
+                <a:solidFill>
+                  <a:srgbClr val="0000FF"/>
+                </a:solidFill>
+                <a:latin typeface="+mn-ea"/>
+              </a:rPr>
+              <a:t>정의</a:t>
+            </a:r>
+            <a:endParaRPr lang="en-US" altLang="ko-KR" sz="2000" dirty="0" smtClean="0">
+              <a:solidFill>
+                <a:srgbClr val="0000FF"/>
+              </a:solidFill>
+              <a:latin typeface="+mn-ea"/>
+            </a:endParaRPr>
+          </a:p>
+          <a:p>
+            <a:pPr marL="742950" lvl="1" indent="-285750" latinLnBrk="0">
+              <a:lnSpc>
+                <a:spcPct val="150000"/>
+              </a:lnSpc>
+              <a:buFont typeface="Arial" panose="020B0604020202020204" pitchFamily="34" charset="0"/>
+              <a:buChar char="•"/>
+            </a:pPr>
+            <a:r>
+              <a:rPr lang="ko-KR" altLang="en-US" sz="1400" dirty="0"/>
+              <a:t>기존의 </a:t>
+            </a:r>
+            <a:r>
+              <a:rPr lang="en-US" altLang="ko-KR" sz="1400" dirty="0" smtClean="0"/>
+              <a:t>React</a:t>
+            </a:r>
+            <a:r>
+              <a:rPr lang="ko-KR" altLang="en-US" sz="1400" dirty="0"/>
+              <a:t>는 </a:t>
+            </a:r>
+            <a:r>
+              <a:rPr lang="en-US" altLang="ko-KR" sz="1400" dirty="0"/>
+              <a:t>CSR</a:t>
+            </a:r>
+            <a:r>
+              <a:rPr lang="ko-KR" altLang="en-US" sz="1400" dirty="0"/>
+              <a:t>방식으로 </a:t>
+            </a:r>
+            <a:r>
+              <a:rPr lang="en-US" altLang="ko-KR" sz="1400" dirty="0" err="1"/>
+              <a:t>useEffect</a:t>
+            </a:r>
+            <a:r>
+              <a:rPr lang="ko-KR" altLang="en-US" sz="1400" dirty="0"/>
+              <a:t>를 </a:t>
+            </a:r>
+            <a:r>
+              <a:rPr lang="ko-KR" altLang="en-US" sz="1400" dirty="0" smtClean="0"/>
+              <a:t>사용하여 상태 관리를 했다</a:t>
+            </a:r>
+            <a:r>
+              <a:rPr lang="en-US" altLang="ko-KR" sz="1400" dirty="0" smtClean="0"/>
+              <a:t>.</a:t>
+            </a:r>
+          </a:p>
+          <a:p>
+            <a:pPr marL="742950" lvl="1" indent="-285750" latinLnBrk="0">
+              <a:lnSpc>
+                <a:spcPct val="150000"/>
+              </a:lnSpc>
+              <a:buFont typeface="Arial" panose="020B0604020202020204" pitchFamily="34" charset="0"/>
+              <a:buChar char="•"/>
+            </a:pPr>
+            <a:r>
+              <a:rPr lang="en-US" altLang="ko-KR" sz="1400" dirty="0" smtClean="0"/>
+              <a:t> React</a:t>
+            </a:r>
+            <a:r>
+              <a:rPr lang="ko-KR" altLang="en-US" sz="1400" dirty="0"/>
+              <a:t>의 프레임워크인 </a:t>
+            </a:r>
+            <a:r>
+              <a:rPr lang="en-US" altLang="ko-KR" sz="1400" dirty="0"/>
+              <a:t>Nextjs</a:t>
+            </a:r>
+            <a:r>
+              <a:rPr lang="ko-KR" altLang="en-US" sz="1400" dirty="0"/>
+              <a:t>에서는 </a:t>
+            </a:r>
+            <a:r>
+              <a:rPr lang="en-US" altLang="ko-KR" sz="1400" dirty="0" err="1" smtClean="0"/>
+              <a:t>getStaticProps</a:t>
+            </a:r>
+            <a:r>
+              <a:rPr lang="en-US" altLang="ko-KR" sz="1400" dirty="0" smtClean="0"/>
+              <a:t>, </a:t>
+            </a:r>
+            <a:r>
+              <a:rPr lang="en-US" altLang="ko-KR" sz="1400" dirty="0" err="1" smtClean="0"/>
+              <a:t>getStaticPaths</a:t>
+            </a:r>
+            <a:r>
+              <a:rPr lang="en-US" altLang="ko-KR" sz="1400" dirty="0" smtClean="0"/>
+              <a:t>,</a:t>
+            </a:r>
+            <a:r>
+              <a:rPr lang="en-US" altLang="ko-KR" sz="1400" dirty="0"/>
+              <a:t> </a:t>
+            </a:r>
+            <a:r>
+              <a:rPr lang="en-US" altLang="ko-KR" sz="1400" dirty="0" err="1" smtClean="0"/>
+              <a:t>getServerSideProps</a:t>
+            </a:r>
+            <a:r>
+              <a:rPr lang="en-US" altLang="ko-KR" sz="1400" dirty="0" smtClean="0"/>
+              <a:t> </a:t>
+            </a:r>
+            <a:r>
+              <a:rPr lang="ko-KR" altLang="en-US" sz="1400" dirty="0"/>
+              <a:t>활용하여 데이터를 </a:t>
+            </a:r>
+            <a:r>
+              <a:rPr lang="ko-KR" altLang="en-US" sz="1400" dirty="0" smtClean="0"/>
+              <a:t>가져온다</a:t>
+            </a:r>
+            <a:r>
+              <a:rPr lang="en-US" altLang="ko-KR" sz="1400" dirty="0" smtClean="0"/>
+              <a:t>.</a:t>
+            </a:r>
+          </a:p>
+          <a:p>
+            <a:pPr marL="742950" lvl="1" indent="-285750" latinLnBrk="0">
+              <a:lnSpc>
+                <a:spcPct val="150000"/>
+              </a:lnSpc>
+              <a:buFont typeface="Arial" panose="020B0604020202020204" pitchFamily="34" charset="0"/>
+              <a:buChar char="•"/>
+            </a:pPr>
+            <a:r>
+              <a:rPr kumimoji="0" lang="en-US" altLang="ko-KR" sz="1400" dirty="0" smtClean="0">
+                <a:solidFill>
+                  <a:schemeClr val="tx1"/>
+                </a:solidFill>
+                <a:latin typeface="+mn-ea"/>
+              </a:rPr>
+              <a:t>SSG(Static </a:t>
+            </a:r>
+            <a:r>
+              <a:rPr kumimoji="0" lang="en-US" altLang="ko-KR" sz="1400" dirty="0">
+                <a:solidFill>
+                  <a:schemeClr val="tx1"/>
+                </a:solidFill>
+                <a:latin typeface="+mn-ea"/>
+              </a:rPr>
+              <a:t>site Generation)</a:t>
+            </a:r>
+            <a:r>
+              <a:rPr kumimoji="0" lang="ko-KR" altLang="en-US" sz="1400" dirty="0">
+                <a:solidFill>
+                  <a:schemeClr val="tx1"/>
+                </a:solidFill>
+                <a:latin typeface="+mn-ea"/>
+              </a:rPr>
+              <a:t>의 경우에는 빌드 시에 </a:t>
+            </a:r>
+            <a:r>
+              <a:rPr kumimoji="0" lang="en-US" altLang="ko-KR" sz="1400" dirty="0">
+                <a:solidFill>
+                  <a:schemeClr val="tx1"/>
+                </a:solidFill>
+                <a:latin typeface="+mn-ea"/>
+              </a:rPr>
+              <a:t>HTML</a:t>
+            </a:r>
+            <a:r>
+              <a:rPr kumimoji="0" lang="ko-KR" altLang="en-US" sz="1400" dirty="0">
+                <a:solidFill>
+                  <a:schemeClr val="tx1"/>
+                </a:solidFill>
+                <a:latin typeface="+mn-ea"/>
+              </a:rPr>
+              <a:t>이 생성되고</a:t>
+            </a:r>
+            <a:r>
+              <a:rPr kumimoji="0" lang="en-US" altLang="ko-KR" sz="1400" dirty="0">
+                <a:solidFill>
+                  <a:schemeClr val="tx1"/>
+                </a:solidFill>
+                <a:latin typeface="+mn-ea"/>
+              </a:rPr>
+              <a:t>, </a:t>
+            </a:r>
+            <a:r>
+              <a:rPr kumimoji="0" lang="ko-KR" altLang="en-US" sz="1400" dirty="0">
+                <a:solidFill>
+                  <a:schemeClr val="tx1"/>
+                </a:solidFill>
+                <a:latin typeface="+mn-ea"/>
+              </a:rPr>
+              <a:t>매 </a:t>
+            </a:r>
+            <a:r>
+              <a:rPr kumimoji="0" lang="ko-KR" altLang="en-US" sz="1400" dirty="0" smtClean="0">
+                <a:solidFill>
+                  <a:schemeClr val="tx1"/>
+                </a:solidFill>
+                <a:latin typeface="+mn-ea"/>
+              </a:rPr>
+              <a:t>요청 마다 </a:t>
+            </a:r>
+            <a:r>
+              <a:rPr kumimoji="0" lang="ko-KR" altLang="en-US" sz="1400" dirty="0">
+                <a:solidFill>
+                  <a:schemeClr val="tx1"/>
+                </a:solidFill>
+                <a:latin typeface="+mn-ea"/>
+              </a:rPr>
+              <a:t>재사용을 한다</a:t>
+            </a:r>
+            <a:r>
+              <a:rPr kumimoji="0" lang="en-US" altLang="ko-KR" sz="1400" dirty="0">
+                <a:solidFill>
+                  <a:schemeClr val="tx1"/>
+                </a:solidFill>
+                <a:latin typeface="+mn-ea"/>
+              </a:rPr>
+              <a:t>. </a:t>
+            </a:r>
+            <a:endParaRPr kumimoji="0" lang="en-US" altLang="ko-KR" sz="1400" dirty="0" smtClean="0">
+              <a:solidFill>
+                <a:schemeClr val="tx1"/>
+              </a:solidFill>
+              <a:latin typeface="+mn-ea"/>
+            </a:endParaRPr>
+          </a:p>
+          <a:p>
+            <a:pPr marL="742950" lvl="1" indent="-285750" latinLnBrk="0">
+              <a:lnSpc>
+                <a:spcPct val="150000"/>
+              </a:lnSpc>
+              <a:buFont typeface="Arial" panose="020B0604020202020204" pitchFamily="34" charset="0"/>
+              <a:buChar char="•"/>
+            </a:pPr>
+            <a:r>
+              <a:rPr kumimoji="0" lang="en-US" altLang="ko-KR" sz="1400" dirty="0" err="1" smtClean="0">
+                <a:solidFill>
+                  <a:schemeClr val="tx1"/>
+                </a:solidFill>
+                <a:latin typeface="+mn-ea"/>
+              </a:rPr>
+              <a:t>getStaticProps</a:t>
+            </a:r>
+            <a:r>
+              <a:rPr kumimoji="0" lang="ko-KR" altLang="en-US" sz="1400" dirty="0">
+                <a:solidFill>
+                  <a:schemeClr val="tx1"/>
+                </a:solidFill>
+                <a:latin typeface="+mn-ea"/>
+              </a:rPr>
+              <a:t>와 </a:t>
+            </a:r>
+            <a:r>
+              <a:rPr kumimoji="0" lang="en-US" altLang="ko-KR" sz="1400" dirty="0" err="1">
+                <a:solidFill>
+                  <a:schemeClr val="tx1"/>
+                </a:solidFill>
+                <a:latin typeface="+mn-ea"/>
+              </a:rPr>
+              <a:t>getStaticPaths</a:t>
+            </a:r>
+            <a:r>
+              <a:rPr kumimoji="0" lang="ko-KR" altLang="en-US" sz="1400" dirty="0">
+                <a:solidFill>
+                  <a:schemeClr val="tx1"/>
+                </a:solidFill>
+                <a:latin typeface="+mn-ea"/>
+              </a:rPr>
+              <a:t>를 통해 만들기가 가능하며</a:t>
+            </a:r>
+            <a:r>
+              <a:rPr kumimoji="0" lang="en-US" altLang="ko-KR" sz="1400" dirty="0">
+                <a:solidFill>
+                  <a:schemeClr val="tx1"/>
+                </a:solidFill>
+                <a:latin typeface="+mn-ea"/>
+              </a:rPr>
+              <a:t>, </a:t>
+            </a:r>
+            <a:r>
+              <a:rPr kumimoji="0" lang="ko-KR" altLang="en-US" sz="1400" dirty="0">
+                <a:solidFill>
+                  <a:schemeClr val="tx1"/>
+                </a:solidFill>
+                <a:latin typeface="+mn-ea"/>
+              </a:rPr>
+              <a:t>요청 이전에 미리 렌더링 하는 페이지에 적합하다</a:t>
+            </a:r>
+            <a:r>
+              <a:rPr kumimoji="0" lang="en-US" altLang="ko-KR" sz="1400" dirty="0">
+                <a:solidFill>
+                  <a:schemeClr val="tx1"/>
+                </a:solidFill>
+                <a:latin typeface="+mn-ea"/>
+              </a:rPr>
+              <a:t>. </a:t>
+            </a:r>
+            <a:endParaRPr kumimoji="0" lang="en-US" altLang="ko-KR" sz="1400" dirty="0" smtClean="0">
+              <a:solidFill>
+                <a:schemeClr val="tx1"/>
+              </a:solidFill>
+              <a:latin typeface="+mn-ea"/>
+            </a:endParaRPr>
+          </a:p>
+          <a:p>
+            <a:pPr marL="742950" lvl="1" indent="-285750" latinLnBrk="0">
+              <a:lnSpc>
+                <a:spcPct val="150000"/>
+              </a:lnSpc>
+              <a:buFont typeface="Arial" panose="020B0604020202020204" pitchFamily="34" charset="0"/>
+              <a:buChar char="•"/>
+            </a:pPr>
+            <a:r>
+              <a:rPr kumimoji="0" lang="ko-KR" altLang="en-US" sz="1400" dirty="0" smtClean="0">
+                <a:solidFill>
+                  <a:schemeClr val="tx1"/>
+                </a:solidFill>
+                <a:latin typeface="+mn-ea"/>
+              </a:rPr>
+              <a:t>추가적인 </a:t>
+            </a:r>
+            <a:r>
+              <a:rPr kumimoji="0" lang="ko-KR" altLang="en-US" sz="1400" dirty="0">
+                <a:solidFill>
+                  <a:schemeClr val="tx1"/>
+                </a:solidFill>
+                <a:latin typeface="+mn-ea"/>
+              </a:rPr>
+              <a:t>데이터가 필요한 경우 </a:t>
+            </a:r>
+            <a:r>
+              <a:rPr kumimoji="0" lang="en-US" altLang="ko-KR" sz="1400" dirty="0">
+                <a:solidFill>
+                  <a:schemeClr val="tx1"/>
+                </a:solidFill>
+                <a:latin typeface="+mn-ea"/>
+              </a:rPr>
+              <a:t>CSR(Client-side Rendering)</a:t>
+            </a:r>
+            <a:r>
+              <a:rPr kumimoji="0" lang="ko-KR" altLang="en-US" sz="1400" dirty="0">
+                <a:solidFill>
+                  <a:schemeClr val="tx1"/>
+                </a:solidFill>
+                <a:latin typeface="+mn-ea"/>
+              </a:rPr>
+              <a:t>을 통해 가져오기</a:t>
+            </a:r>
+            <a:r>
+              <a:rPr kumimoji="0" lang="en-US" altLang="ko-KR" sz="1400" dirty="0">
+                <a:solidFill>
+                  <a:schemeClr val="tx1"/>
+                </a:solidFill>
+                <a:latin typeface="+mn-ea"/>
+              </a:rPr>
+              <a:t>(</a:t>
+            </a:r>
+            <a:r>
+              <a:rPr kumimoji="0" lang="en-US" altLang="ko-KR" sz="1400" dirty="0" err="1">
+                <a:solidFill>
+                  <a:schemeClr val="tx1"/>
+                </a:solidFill>
+                <a:latin typeface="+mn-ea"/>
+              </a:rPr>
+              <a:t>useEffect</a:t>
+            </a:r>
+            <a:r>
+              <a:rPr kumimoji="0" lang="en-US" altLang="ko-KR" sz="1400" dirty="0">
+                <a:solidFill>
+                  <a:schemeClr val="tx1"/>
+                </a:solidFill>
+                <a:latin typeface="+mn-ea"/>
+              </a:rPr>
+              <a:t>)</a:t>
+            </a:r>
+            <a:r>
+              <a:rPr kumimoji="0" lang="ko-KR" altLang="en-US" sz="1400" dirty="0">
+                <a:solidFill>
+                  <a:schemeClr val="tx1"/>
+                </a:solidFill>
+                <a:latin typeface="+mn-ea"/>
+              </a:rPr>
+              <a:t>가 가능하다</a:t>
+            </a:r>
+            <a:r>
+              <a:rPr kumimoji="0" lang="en-US" altLang="ko-KR" sz="1400" dirty="0" smtClean="0">
+                <a:solidFill>
+                  <a:schemeClr val="tx1"/>
+                </a:solidFill>
+                <a:latin typeface="+mn-ea"/>
+              </a:rPr>
+              <a:t>.</a:t>
+            </a:r>
+            <a:endParaRPr kumimoji="0" lang="en-US" altLang="ko-KR" sz="1400" dirty="0">
+              <a:solidFill>
+                <a:schemeClr val="tx1"/>
+              </a:solidFill>
+              <a:latin typeface="+mn-ea"/>
+            </a:endParaRPr>
+          </a:p>
+          <a:p>
+            <a:pPr marL="742950" lvl="1" indent="-285750" latinLnBrk="0">
+              <a:lnSpc>
+                <a:spcPct val="150000"/>
+              </a:lnSpc>
+              <a:buFont typeface="Arial" panose="020B0604020202020204" pitchFamily="34" charset="0"/>
+              <a:buChar char="•"/>
+            </a:pPr>
+            <a:r>
+              <a:rPr kumimoji="0" lang="en-US" altLang="ko-KR" sz="1400" dirty="0">
+                <a:solidFill>
+                  <a:schemeClr val="tx1"/>
+                </a:solidFill>
+                <a:latin typeface="+mn-ea"/>
+              </a:rPr>
+              <a:t>SSR(Server-side Rendering)</a:t>
+            </a:r>
+            <a:r>
+              <a:rPr kumimoji="0" lang="ko-KR" altLang="en-US" sz="1400" dirty="0">
+                <a:solidFill>
+                  <a:schemeClr val="tx1"/>
+                </a:solidFill>
+                <a:latin typeface="+mn-ea"/>
+              </a:rPr>
+              <a:t>의 경우는 매 </a:t>
+            </a:r>
+            <a:r>
+              <a:rPr kumimoji="0" lang="ko-KR" altLang="en-US" sz="1400" dirty="0" smtClean="0">
+                <a:solidFill>
+                  <a:schemeClr val="tx1"/>
+                </a:solidFill>
+                <a:latin typeface="+mn-ea"/>
+              </a:rPr>
+              <a:t>요청 마다 </a:t>
+            </a:r>
+            <a:r>
+              <a:rPr kumimoji="0" lang="en-US" altLang="ko-KR" sz="1400" dirty="0">
+                <a:solidFill>
+                  <a:schemeClr val="tx1"/>
+                </a:solidFill>
+                <a:latin typeface="+mn-ea"/>
+              </a:rPr>
+              <a:t>HTML</a:t>
+            </a:r>
+            <a:r>
+              <a:rPr kumimoji="0" lang="ko-KR" altLang="en-US" sz="1400" dirty="0">
+                <a:solidFill>
+                  <a:schemeClr val="tx1"/>
+                </a:solidFill>
+                <a:latin typeface="+mn-ea"/>
+              </a:rPr>
+              <a:t>을 생성한다</a:t>
+            </a:r>
+            <a:r>
+              <a:rPr kumimoji="0" lang="en-US" altLang="ko-KR" sz="1400" dirty="0">
+                <a:solidFill>
+                  <a:schemeClr val="tx1"/>
+                </a:solidFill>
+                <a:latin typeface="+mn-ea"/>
+              </a:rPr>
+              <a:t>. </a:t>
+            </a:r>
+            <a:endParaRPr kumimoji="0" lang="en-US" altLang="ko-KR" sz="1400" dirty="0" smtClean="0">
+              <a:solidFill>
+                <a:schemeClr val="tx1"/>
+              </a:solidFill>
+              <a:latin typeface="+mn-ea"/>
+            </a:endParaRPr>
+          </a:p>
+          <a:p>
+            <a:pPr marL="742950" lvl="1" indent="-285750" latinLnBrk="0">
+              <a:lnSpc>
+                <a:spcPct val="150000"/>
+              </a:lnSpc>
+              <a:buFont typeface="Arial" panose="020B0604020202020204" pitchFamily="34" charset="0"/>
+              <a:buChar char="•"/>
+            </a:pPr>
+            <a:r>
+              <a:rPr kumimoji="0" lang="en-US" altLang="ko-KR" sz="1400" dirty="0" smtClean="0">
+                <a:solidFill>
+                  <a:schemeClr val="tx1"/>
+                </a:solidFill>
+                <a:latin typeface="+mn-ea"/>
+              </a:rPr>
+              <a:t>SSR</a:t>
+            </a:r>
+            <a:r>
+              <a:rPr kumimoji="0" lang="ko-KR" altLang="en-US" sz="1400" dirty="0">
+                <a:solidFill>
+                  <a:schemeClr val="tx1"/>
+                </a:solidFill>
+                <a:latin typeface="+mn-ea"/>
+              </a:rPr>
+              <a:t>을 만들기 위해서는 </a:t>
+            </a:r>
+            <a:r>
+              <a:rPr kumimoji="0" lang="en-US" altLang="ko-KR" sz="1400" dirty="0" err="1">
+                <a:solidFill>
+                  <a:schemeClr val="tx1"/>
+                </a:solidFill>
+                <a:latin typeface="+mn-ea"/>
+              </a:rPr>
+              <a:t>getServerSideProps</a:t>
+            </a:r>
+            <a:r>
+              <a:rPr kumimoji="0" lang="ko-KR" altLang="en-US" sz="1400" dirty="0">
+                <a:solidFill>
+                  <a:schemeClr val="tx1"/>
+                </a:solidFill>
+                <a:latin typeface="+mn-ea"/>
+              </a:rPr>
+              <a:t>를 통해 만들기가 가능하다</a:t>
+            </a:r>
+            <a:r>
+              <a:rPr kumimoji="0" lang="en-US" altLang="ko-KR" sz="1400" dirty="0">
+                <a:solidFill>
+                  <a:schemeClr val="tx1"/>
+                </a:solidFill>
+                <a:latin typeface="+mn-ea"/>
+              </a:rPr>
+              <a:t>. </a:t>
+            </a:r>
+            <a:endParaRPr kumimoji="0" lang="en-US" altLang="ko-KR" sz="1400" dirty="0" smtClean="0">
+              <a:solidFill>
+                <a:schemeClr val="tx1"/>
+              </a:solidFill>
+              <a:latin typeface="+mn-ea"/>
+            </a:endParaRPr>
+          </a:p>
+          <a:p>
+            <a:pPr marL="742950" lvl="1" indent="-285750" latinLnBrk="0">
+              <a:lnSpc>
+                <a:spcPct val="150000"/>
+              </a:lnSpc>
+              <a:buFont typeface="Arial" panose="020B0604020202020204" pitchFamily="34" charset="0"/>
+              <a:buChar char="•"/>
+            </a:pPr>
+            <a:r>
+              <a:rPr kumimoji="0" lang="en-US" altLang="ko-KR" sz="1400" dirty="0" smtClean="0">
+                <a:solidFill>
+                  <a:srgbClr val="FF0000"/>
+                </a:solidFill>
+                <a:latin typeface="+mn-ea"/>
+              </a:rPr>
+              <a:t>SSG</a:t>
+            </a:r>
+            <a:r>
+              <a:rPr kumimoji="0" lang="ko-KR" altLang="en-US" sz="1400" dirty="0">
+                <a:solidFill>
+                  <a:srgbClr val="FF0000"/>
+                </a:solidFill>
+                <a:latin typeface="+mn-ea"/>
+              </a:rPr>
+              <a:t>보다 </a:t>
+            </a:r>
+            <a:r>
+              <a:rPr kumimoji="0" lang="en-US" altLang="ko-KR" sz="1400" dirty="0">
+                <a:solidFill>
+                  <a:srgbClr val="FF0000"/>
+                </a:solidFill>
+                <a:latin typeface="+mn-ea"/>
+              </a:rPr>
+              <a:t>SSR</a:t>
+            </a:r>
+            <a:r>
+              <a:rPr kumimoji="0" lang="ko-KR" altLang="en-US" sz="1400" dirty="0">
+                <a:solidFill>
+                  <a:srgbClr val="FF0000"/>
+                </a:solidFill>
+                <a:latin typeface="+mn-ea"/>
+              </a:rPr>
+              <a:t>이 느리기 때문에 필요할 때만 사용하는 것이 좋다</a:t>
+            </a:r>
+            <a:r>
+              <a:rPr kumimoji="0" lang="en-US" altLang="ko-KR" sz="1400" dirty="0">
+                <a:solidFill>
+                  <a:srgbClr val="FF0000"/>
+                </a:solidFill>
+                <a:latin typeface="+mn-ea"/>
+              </a:rPr>
+              <a:t>.</a:t>
+            </a:r>
+            <a:endParaRPr kumimoji="0" lang="en-US" altLang="ko-KR" sz="1400" dirty="0" smtClean="0">
+              <a:solidFill>
+                <a:srgbClr val="FF0000"/>
+              </a:solidFill>
+              <a:latin typeface="+mn-ea"/>
+            </a:endParaRPr>
+          </a:p>
+        </p:txBody>
+      </p:sp>
+    </p:spTree>
+    <p:extLst>
+      <p:ext uri="{BB962C8B-B14F-4D97-AF65-F5344CB8AC3E}">
+        <p14:creationId xmlns:p14="http://schemas.microsoft.com/office/powerpoint/2010/main" val="2345282257"/>
+      </p:ext>
+    </p:extLst>
+  </p:cSld>
+  <p:clrMapOvr>
+    <a:masterClrMapping/>
+  </p:clrMapOvr>
+  <p:timing>
+    <p:tnLst>
+      <p:par>
+        <p:cTn id="1" dur="indefinite" restart="never" nodeType="tmRoot"/>
+      </p:par>
+    </p:tnLst>
+  </p:timing>
+</p:sld>
+</file>
+
+<file path=ppt/slides/slide6.xml><?xml version="1.0" encoding="utf-8"?>
+<p:sld xmlns:a="http://schemas.openxmlformats.org/drawingml/2006/main" xmlns:r="http://schemas.openxmlformats.org/officeDocument/2006/relationships" xmlns:p="http://schemas.openxmlformats.org/presentationml/2006/main">
+  <p:cSld>
+    <p:spTree>
+      <p:nvGrpSpPr>
+        <p:cNvPr id="1" name=""/>
+        <p:cNvGrpSpPr/>
+        <p:nvPr/>
+      </p:nvGrpSpPr>
+      <p:grpSpPr>
+        <a:xfrm>
+          <a:off x="0" y="0"/>
+          <a:ext cx="0" cy="0"/>
+          <a:chOff x="0" y="0"/>
+          <a:chExt cx="0" cy="0"/>
+        </a:xfrm>
+      </p:grpSpPr>
+      <p:sp>
+        <p:nvSpPr>
+          <p:cNvPr id="3" name="TextBox 2"/>
+          <p:cNvSpPr txBox="1"/>
+          <p:nvPr/>
+        </p:nvSpPr>
+        <p:spPr>
+          <a:xfrm>
+            <a:off x="548640" y="470346"/>
+            <a:ext cx="8055807" cy="461665"/>
+          </a:xfrm>
+          <a:prstGeom prst="rect">
+            <a:avLst/>
+          </a:prstGeom>
+          <a:noFill/>
+        </p:spPr>
+        <p:txBody>
+          <a:bodyPr wrap="square" rtlCol="0">
+            <a:spAutoFit/>
+          </a:bodyPr>
+          <a:lstStyle/>
+          <a:p>
+            <a:r>
+              <a:rPr lang="en-US" altLang="ko-KR" sz="2400" dirty="0">
+                <a:latin typeface="HY헤드라인M" pitchFamily="18" charset="-127"/>
+                <a:ea typeface="HY헤드라인M" pitchFamily="18" charset="-127"/>
+              </a:rPr>
+              <a:t>pre-rendering</a:t>
+            </a:r>
+            <a:endParaRPr lang="ko-KR" altLang="en-US" sz="2400" dirty="0">
+              <a:latin typeface="HY헤드라인M" pitchFamily="18" charset="-127"/>
+              <a:ea typeface="HY헤드라인M" pitchFamily="18" charset="-127"/>
+            </a:endParaRPr>
+          </a:p>
+        </p:txBody>
+      </p:sp>
+      <p:pic>
+        <p:nvPicPr>
+          <p:cNvPr id="2" name="그림 1"/>
+          <p:cNvPicPr>
+            <a:picLocks noChangeAspect="1"/>
+          </p:cNvPicPr>
+          <p:nvPr/>
+        </p:nvPicPr>
+        <p:blipFill>
+          <a:blip r:embed="rId2" cstate="print">
+            <a:extLst>
+              <a:ext uri="{28A0092B-C50C-407E-A947-70E740481C1C}">
+                <a14:useLocalDpi xmlns:a14="http://schemas.microsoft.com/office/drawing/2010/main" val="0"/>
+              </a:ext>
+            </a:extLst>
+          </a:blip>
+          <a:stretch>
+            <a:fillRect/>
+          </a:stretch>
+        </p:blipFill>
+        <p:spPr>
+          <a:xfrm>
+            <a:off x="7596744" y="2925352"/>
+            <a:ext cx="71600" cy="71600"/>
+          </a:xfrm>
+          <a:prstGeom prst="rect">
+            <a:avLst/>
+          </a:prstGeom>
+        </p:spPr>
+      </p:pic>
+      <p:sp>
+        <p:nvSpPr>
+          <p:cNvPr id="5" name="모서리가 둥근 직사각형 4"/>
+          <p:cNvSpPr/>
+          <p:nvPr/>
+        </p:nvSpPr>
+        <p:spPr>
+          <a:xfrm>
+            <a:off x="430567" y="1268760"/>
+            <a:ext cx="8164465" cy="5345844"/>
+          </a:xfrm>
+          <a:prstGeom prst="roundRect">
+            <a:avLst>
+              <a:gd name="adj" fmla="val 8134"/>
+            </a:avLst>
+          </a:prstGeom>
+          <a:ln/>
+        </p:spPr>
+        <p:style>
+          <a:lnRef idx="2">
+            <a:schemeClr val="accent1"/>
+          </a:lnRef>
+          <a:fillRef idx="1">
+            <a:schemeClr val="lt1"/>
+          </a:fillRef>
+          <a:effectRef idx="0">
+            <a:schemeClr val="accent1"/>
+          </a:effectRef>
+          <a:fontRef idx="minor">
+            <a:schemeClr val="dk1"/>
+          </a:fontRef>
+        </p:style>
+        <p:txBody>
+          <a:bodyPr rtlCol="0" anchor="t"/>
+          <a:lstStyle/>
+          <a:p>
+            <a:pPr marL="285750" indent="-285750">
+              <a:lnSpc>
+                <a:spcPct val="150000"/>
+              </a:lnSpc>
+              <a:buFont typeface="Wingdings" panose="05000000000000000000" pitchFamily="2" charset="2"/>
+              <a:buChar char="Ø"/>
+            </a:pPr>
+            <a:r>
+              <a:rPr lang="ko-KR" altLang="en-US" sz="2000" dirty="0" smtClean="0">
+                <a:solidFill>
+                  <a:srgbClr val="0000FF"/>
+                </a:solidFill>
+                <a:latin typeface="+mn-ea"/>
+              </a:rPr>
+              <a:t>정의</a:t>
+            </a:r>
+            <a:endParaRPr lang="en-US" altLang="ko-KR" sz="2000" dirty="0" smtClean="0">
+              <a:solidFill>
+                <a:srgbClr val="0000FF"/>
+              </a:solidFill>
+              <a:latin typeface="+mn-ea"/>
+            </a:endParaRPr>
+          </a:p>
+          <a:p>
+            <a:pPr marL="742950" lvl="1" indent="-285750" latinLnBrk="0">
+              <a:lnSpc>
+                <a:spcPct val="150000"/>
+              </a:lnSpc>
+              <a:buFont typeface="Arial" panose="020B0604020202020204" pitchFamily="34" charset="0"/>
+              <a:buChar char="•"/>
+            </a:pPr>
+            <a:r>
+              <a:rPr lang="en-US" altLang="ko-KR" sz="1400" dirty="0"/>
+              <a:t>Nextjs</a:t>
+            </a:r>
+            <a:r>
+              <a:rPr lang="ko-KR" altLang="en-US" sz="1400" dirty="0"/>
+              <a:t>의 기본은 </a:t>
+            </a:r>
+            <a:r>
+              <a:rPr lang="en-US" altLang="ko-KR" sz="1400" dirty="0"/>
+              <a:t>pre-renders</a:t>
+            </a:r>
+            <a:r>
+              <a:rPr lang="ko-KR" altLang="en-US" sz="1400" dirty="0"/>
+              <a:t>이다</a:t>
+            </a:r>
+            <a:r>
+              <a:rPr lang="en-US" altLang="ko-KR" sz="1400" dirty="0"/>
+              <a:t>. </a:t>
+            </a:r>
+            <a:endParaRPr lang="en-US" altLang="ko-KR" sz="1400" dirty="0" smtClean="0"/>
+          </a:p>
+          <a:p>
+            <a:pPr marL="742950" lvl="1" indent="-285750" latinLnBrk="0">
+              <a:lnSpc>
+                <a:spcPct val="150000"/>
+              </a:lnSpc>
+              <a:buFont typeface="Arial" panose="020B0604020202020204" pitchFamily="34" charset="0"/>
+              <a:buChar char="•"/>
+            </a:pPr>
+            <a:r>
+              <a:rPr lang="en-US" altLang="ko-KR" sz="1400" dirty="0" smtClean="0"/>
+              <a:t>pre-render</a:t>
+            </a:r>
+            <a:r>
+              <a:rPr lang="ko-KR" altLang="en-US" sz="1400" dirty="0"/>
+              <a:t>란 페이지에서 </a:t>
+            </a:r>
+            <a:r>
+              <a:rPr lang="en-US" altLang="ko-KR" sz="1400" dirty="0" err="1"/>
+              <a:t>js</a:t>
+            </a:r>
+            <a:r>
+              <a:rPr lang="ko-KR" altLang="en-US" sz="1400" dirty="0"/>
+              <a:t>를 우선하는게 아니라</a:t>
+            </a:r>
+            <a:r>
+              <a:rPr lang="en-US" altLang="ko-KR" sz="1400" dirty="0"/>
+              <a:t>, HTML</a:t>
+            </a:r>
+            <a:r>
+              <a:rPr lang="ko-KR" altLang="en-US" sz="1400" dirty="0"/>
+              <a:t>을 미리 만드는 것을 말한다</a:t>
+            </a:r>
+            <a:r>
+              <a:rPr lang="en-US" altLang="ko-KR" sz="1400" dirty="0"/>
+              <a:t>. </a:t>
+            </a:r>
+            <a:endParaRPr lang="en-US" altLang="ko-KR" sz="1400" dirty="0" smtClean="0"/>
+          </a:p>
+          <a:p>
+            <a:pPr marL="742950" lvl="1" indent="-285750" latinLnBrk="0">
+              <a:lnSpc>
+                <a:spcPct val="150000"/>
+              </a:lnSpc>
+              <a:buFont typeface="Arial" panose="020B0604020202020204" pitchFamily="34" charset="0"/>
+              <a:buChar char="•"/>
+            </a:pPr>
+            <a:r>
+              <a:rPr lang="ko-KR" altLang="en-US" sz="1400" dirty="0" smtClean="0"/>
+              <a:t>따라서 </a:t>
+            </a:r>
+            <a:r>
+              <a:rPr lang="ko-KR" altLang="en-US" sz="1400" dirty="0"/>
+              <a:t>더 좋은 성능과 </a:t>
+            </a:r>
+            <a:r>
+              <a:rPr lang="en-US" altLang="ko-KR" sz="1400" dirty="0"/>
+              <a:t>SEO</a:t>
+            </a:r>
+            <a:r>
+              <a:rPr lang="ko-KR" altLang="en-US" sz="1400" dirty="0"/>
+              <a:t>를 기대할 수 있다</a:t>
+            </a:r>
+            <a:r>
+              <a:rPr lang="en-US" altLang="ko-KR" sz="1400" dirty="0"/>
+              <a:t>. </a:t>
+            </a:r>
+            <a:endParaRPr lang="en-US" altLang="ko-KR" sz="1400" dirty="0" smtClean="0"/>
+          </a:p>
+          <a:p>
+            <a:pPr marL="742950" lvl="1" indent="-285750" latinLnBrk="0">
+              <a:lnSpc>
+                <a:spcPct val="150000"/>
+              </a:lnSpc>
+              <a:buFont typeface="Arial" panose="020B0604020202020204" pitchFamily="34" charset="0"/>
+              <a:buChar char="•"/>
+            </a:pPr>
+            <a:r>
+              <a:rPr lang="ko-KR" altLang="en-US" sz="1400" dirty="0" smtClean="0"/>
+              <a:t>이때 </a:t>
+            </a:r>
+            <a:r>
+              <a:rPr lang="ko-KR" altLang="en-US" sz="1400" dirty="0"/>
+              <a:t>생성된 </a:t>
+            </a:r>
+            <a:r>
+              <a:rPr lang="en-US" altLang="ko-KR" sz="1400" dirty="0"/>
+              <a:t>HTML</a:t>
+            </a:r>
+            <a:r>
+              <a:rPr lang="ko-KR" altLang="en-US" sz="1400" dirty="0"/>
+              <a:t>은 최소한의 </a:t>
+            </a:r>
+            <a:r>
+              <a:rPr lang="en-US" altLang="ko-KR" sz="1400" dirty="0" err="1"/>
+              <a:t>javascript</a:t>
+            </a:r>
+            <a:r>
+              <a:rPr lang="en-US" altLang="ko-KR" sz="1400" dirty="0"/>
+              <a:t> </a:t>
+            </a:r>
+            <a:r>
+              <a:rPr lang="ko-KR" altLang="en-US" sz="1400" dirty="0"/>
+              <a:t>코드와 연결된다</a:t>
+            </a:r>
+            <a:r>
+              <a:rPr lang="en-US" altLang="ko-KR" sz="1400" dirty="0"/>
+              <a:t>. </a:t>
+            </a:r>
+            <a:endParaRPr lang="en-US" altLang="ko-KR" sz="1400" dirty="0" smtClean="0"/>
+          </a:p>
+          <a:p>
+            <a:pPr marL="742950" lvl="1" indent="-285750" latinLnBrk="0">
+              <a:lnSpc>
+                <a:spcPct val="150000"/>
+              </a:lnSpc>
+              <a:buFont typeface="Arial" panose="020B0604020202020204" pitchFamily="34" charset="0"/>
+              <a:buChar char="•"/>
+            </a:pPr>
+            <a:r>
+              <a:rPr lang="ko-KR" altLang="en-US" sz="1400" dirty="0" smtClean="0"/>
+              <a:t>그 </a:t>
+            </a:r>
+            <a:r>
+              <a:rPr lang="ko-KR" altLang="en-US" sz="1400" dirty="0"/>
+              <a:t>후에 브라우저가 로딩될 때 남은 </a:t>
+            </a:r>
+            <a:r>
+              <a:rPr lang="en-US" altLang="ko-KR" sz="1400" dirty="0" err="1"/>
+              <a:t>javascript</a:t>
+            </a:r>
+            <a:r>
+              <a:rPr lang="ko-KR" altLang="en-US" sz="1400" dirty="0"/>
+              <a:t>가 페이지와 상호작용하면서 페이지가 </a:t>
+            </a:r>
+            <a:r>
+              <a:rPr lang="en-US" altLang="ko-KR" sz="1400" dirty="0"/>
+              <a:t>render </a:t>
+            </a:r>
+            <a:r>
+              <a:rPr lang="ko-KR" altLang="en-US" sz="1400" dirty="0"/>
+              <a:t>된다</a:t>
+            </a:r>
+            <a:r>
+              <a:rPr lang="en-US" altLang="ko-KR" sz="1400" dirty="0"/>
+              <a:t>. </a:t>
+            </a:r>
+            <a:endParaRPr lang="en-US" altLang="ko-KR" sz="1400" dirty="0" smtClean="0"/>
+          </a:p>
+          <a:p>
+            <a:pPr marL="742950" lvl="1" indent="-285750" latinLnBrk="0">
+              <a:lnSpc>
+                <a:spcPct val="150000"/>
+              </a:lnSpc>
+              <a:buFont typeface="Arial" panose="020B0604020202020204" pitchFamily="34" charset="0"/>
+              <a:buChar char="•"/>
+            </a:pPr>
+            <a:r>
+              <a:rPr lang="ko-KR" altLang="en-US" sz="1400" dirty="0" smtClean="0">
+                <a:solidFill>
+                  <a:srgbClr val="FF0000"/>
+                </a:solidFill>
+              </a:rPr>
+              <a:t>이러한 </a:t>
+            </a:r>
+            <a:r>
+              <a:rPr lang="ko-KR" altLang="en-US" sz="1400" dirty="0">
+                <a:solidFill>
+                  <a:srgbClr val="FF0000"/>
+                </a:solidFill>
+              </a:rPr>
+              <a:t>개념은 </a:t>
+            </a:r>
+            <a:r>
+              <a:rPr lang="en-US" altLang="ko-KR" sz="1400" dirty="0">
+                <a:solidFill>
+                  <a:srgbClr val="FF0000"/>
+                </a:solidFill>
+              </a:rPr>
+              <a:t>hydration</a:t>
+            </a:r>
+            <a:r>
+              <a:rPr lang="ko-KR" altLang="en-US" sz="1400" dirty="0">
+                <a:solidFill>
+                  <a:srgbClr val="FF0000"/>
+                </a:solidFill>
+              </a:rPr>
+              <a:t>이라는 개념이라고 부르기도 한다</a:t>
+            </a:r>
+            <a:r>
+              <a:rPr lang="en-US" altLang="ko-KR" sz="1400" dirty="0">
+                <a:solidFill>
+                  <a:srgbClr val="FF0000"/>
+                </a:solidFill>
+              </a:rPr>
+              <a:t>.</a:t>
+            </a:r>
+            <a:endParaRPr kumimoji="0" lang="en-US" altLang="ko-KR" sz="1400" dirty="0" smtClean="0">
+              <a:solidFill>
+                <a:srgbClr val="FF0000"/>
+              </a:solidFill>
+              <a:latin typeface="+mn-ea"/>
+            </a:endParaRPr>
+          </a:p>
+        </p:txBody>
+      </p:sp>
+    </p:spTree>
+    <p:extLst>
+      <p:ext uri="{BB962C8B-B14F-4D97-AF65-F5344CB8AC3E}">
+        <p14:creationId xmlns:p14="http://schemas.microsoft.com/office/powerpoint/2010/main" val="489041689"/>
+      </p:ext>
+    </p:extLst>
+  </p:cSld>
+  <p:clrMapOvr>
+    <a:masterClrMapping/>
+  </p:clrMapOvr>
+  <p:timing>
+    <p:tnLst>
+      <p:par>
+        <p:cTn id="1" dur="indefinite" restart="never" nodeType="tmRoot"/>
+      </p:par>
+    </p:tnLst>
+  </p:timing>
+</p:sld>
+</file>
+
+<file path=ppt/slides/slide7.xml><?xml version="1.0" encoding="utf-8"?>
+<p:sld xmlns:a="http://schemas.openxmlformats.org/drawingml/2006/main" xmlns:r="http://schemas.openxmlformats.org/officeDocument/2006/relationships" xmlns:p="http://schemas.openxmlformats.org/presentationml/2006/main">
+  <p:cSld>
+    <p:spTree>
+      <p:nvGrpSpPr>
+        <p:cNvPr id="1" name=""/>
+        <p:cNvGrpSpPr/>
+        <p:nvPr/>
+      </p:nvGrpSpPr>
+      <p:grpSpPr>
+        <a:xfrm>
+          <a:off x="0" y="0"/>
+          <a:ext cx="0" cy="0"/>
+          <a:chOff x="0" y="0"/>
+          <a:chExt cx="0" cy="0"/>
+        </a:xfrm>
+      </p:grpSpPr>
+      <p:sp>
+        <p:nvSpPr>
+          <p:cNvPr id="3" name="TextBox 2"/>
+          <p:cNvSpPr txBox="1"/>
+          <p:nvPr/>
+        </p:nvSpPr>
+        <p:spPr>
+          <a:xfrm>
+            <a:off x="548640" y="470346"/>
+            <a:ext cx="8055807" cy="461665"/>
+          </a:xfrm>
+          <a:prstGeom prst="rect">
+            <a:avLst/>
+          </a:prstGeom>
+          <a:noFill/>
+        </p:spPr>
+        <p:txBody>
+          <a:bodyPr wrap="square" rtlCol="0">
+            <a:spAutoFit/>
+          </a:bodyPr>
+          <a:lstStyle/>
+          <a:p>
+            <a:r>
+              <a:rPr lang="en-US" altLang="ko-KR" sz="2400" dirty="0">
+                <a:latin typeface="HY헤드라인M" pitchFamily="18" charset="-127"/>
+                <a:ea typeface="HY헤드라인M" pitchFamily="18" charset="-127"/>
+              </a:rPr>
+              <a:t>Dynamic Routes</a:t>
+            </a:r>
+            <a:endParaRPr lang="ko-KR" altLang="en-US" sz="2400" dirty="0">
+              <a:latin typeface="HY헤드라인M" pitchFamily="18" charset="-127"/>
+              <a:ea typeface="HY헤드라인M" pitchFamily="18" charset="-127"/>
+            </a:endParaRPr>
+          </a:p>
+        </p:txBody>
+      </p:sp>
+      <p:pic>
+        <p:nvPicPr>
+          <p:cNvPr id="2" name="그림 1"/>
+          <p:cNvPicPr>
+            <a:picLocks noChangeAspect="1"/>
+          </p:cNvPicPr>
+          <p:nvPr/>
+        </p:nvPicPr>
+        <p:blipFill>
+          <a:blip r:embed="rId2" cstate="print">
+            <a:extLst>
+              <a:ext uri="{28A0092B-C50C-407E-A947-70E740481C1C}">
+                <a14:useLocalDpi xmlns:a14="http://schemas.microsoft.com/office/drawing/2010/main" val="0"/>
+              </a:ext>
+            </a:extLst>
+          </a:blip>
+          <a:stretch>
+            <a:fillRect/>
+          </a:stretch>
+        </p:blipFill>
+        <p:spPr>
+          <a:xfrm>
+            <a:off x="7596744" y="2925352"/>
+            <a:ext cx="71600" cy="71600"/>
+          </a:xfrm>
+          <a:prstGeom prst="rect">
+            <a:avLst/>
+          </a:prstGeom>
+        </p:spPr>
+      </p:pic>
+      <p:sp>
+        <p:nvSpPr>
+          <p:cNvPr id="5" name="모서리가 둥근 직사각형 4"/>
+          <p:cNvSpPr/>
+          <p:nvPr/>
+        </p:nvSpPr>
+        <p:spPr>
+          <a:xfrm>
+            <a:off x="430567" y="1268760"/>
+            <a:ext cx="8164465" cy="5345844"/>
+          </a:xfrm>
+          <a:prstGeom prst="roundRect">
+            <a:avLst>
+              <a:gd name="adj" fmla="val 8134"/>
+            </a:avLst>
+          </a:prstGeom>
+          <a:ln/>
+        </p:spPr>
+        <p:style>
+          <a:lnRef idx="2">
+            <a:schemeClr val="accent1"/>
+          </a:lnRef>
+          <a:fillRef idx="1">
+            <a:schemeClr val="lt1"/>
+          </a:fillRef>
+          <a:effectRef idx="0">
+            <a:schemeClr val="accent1"/>
+          </a:effectRef>
+          <a:fontRef idx="minor">
+            <a:schemeClr val="dk1"/>
+          </a:fontRef>
+        </p:style>
+        <p:txBody>
+          <a:bodyPr rtlCol="0" anchor="t"/>
+          <a:lstStyle/>
+          <a:p>
+            <a:pPr marL="285750" indent="-285750">
+              <a:lnSpc>
+                <a:spcPct val="150000"/>
+              </a:lnSpc>
+              <a:buFont typeface="Wingdings" panose="05000000000000000000" pitchFamily="2" charset="2"/>
+              <a:buChar char="Ø"/>
+            </a:pPr>
+            <a:r>
+              <a:rPr lang="ko-KR" altLang="en-US" sz="2000" dirty="0" smtClean="0">
+                <a:solidFill>
+                  <a:srgbClr val="0000FF"/>
+                </a:solidFill>
+                <a:latin typeface="+mn-ea"/>
+              </a:rPr>
+              <a:t>정의</a:t>
+            </a:r>
+            <a:endParaRPr lang="en-US" altLang="ko-KR" sz="2000" dirty="0" smtClean="0">
+              <a:solidFill>
+                <a:srgbClr val="0000FF"/>
+              </a:solidFill>
+              <a:latin typeface="+mn-ea"/>
+            </a:endParaRPr>
+          </a:p>
+          <a:p>
+            <a:pPr marL="742950" lvl="1" indent="-285750" latinLnBrk="0">
+              <a:lnSpc>
+                <a:spcPct val="150000"/>
+              </a:lnSpc>
+              <a:buFont typeface="Arial" panose="020B0604020202020204" pitchFamily="34" charset="0"/>
+              <a:buChar char="•"/>
+            </a:pPr>
+            <a:r>
+              <a:rPr lang="en-US" altLang="ko-KR" sz="1400" dirty="0"/>
+              <a:t>Nextjs</a:t>
+            </a:r>
+            <a:r>
+              <a:rPr lang="ko-KR" altLang="en-US" sz="1400" dirty="0"/>
+              <a:t>는 동적 라우팅도 제공된다</a:t>
+            </a:r>
+            <a:r>
+              <a:rPr lang="en-US" altLang="ko-KR" sz="1400" dirty="0"/>
+              <a:t>. </a:t>
+            </a:r>
+            <a:endParaRPr lang="en-US" altLang="ko-KR" sz="1400" dirty="0" smtClean="0"/>
+          </a:p>
+          <a:p>
+            <a:pPr marL="742950" lvl="1" indent="-285750" latinLnBrk="0">
+              <a:lnSpc>
+                <a:spcPct val="150000"/>
+              </a:lnSpc>
+              <a:buFont typeface="Arial" panose="020B0604020202020204" pitchFamily="34" charset="0"/>
+              <a:buChar char="•"/>
+            </a:pPr>
+            <a:r>
+              <a:rPr lang="ko-KR" altLang="en-US" sz="1400" dirty="0" smtClean="0"/>
+              <a:t>만약 </a:t>
+            </a:r>
+            <a:r>
+              <a:rPr lang="ko-KR" altLang="en-US" sz="1400" dirty="0"/>
+              <a:t>우리가 </a:t>
+            </a:r>
+            <a:r>
+              <a:rPr lang="en-US" altLang="ko-KR" sz="1400" dirty="0"/>
+              <a:t>pages/posts/[id].js</a:t>
+            </a:r>
+            <a:r>
+              <a:rPr lang="ko-KR" altLang="en-US" sz="1400" dirty="0"/>
+              <a:t>라는 파일을 만들면 우리는 </a:t>
+            </a:r>
+            <a:r>
+              <a:rPr lang="en-US" altLang="ko-KR" sz="1400" dirty="0"/>
+              <a:t>posts/1, posts/2</a:t>
+            </a:r>
+            <a:r>
+              <a:rPr lang="ko-KR" altLang="en-US" sz="1400" dirty="0"/>
+              <a:t>와 같이 접근이 가능하다</a:t>
+            </a:r>
+            <a:r>
+              <a:rPr lang="en-US" altLang="ko-KR" sz="1400" dirty="0"/>
+              <a:t>.</a:t>
+            </a:r>
+            <a:endParaRPr kumimoji="0" lang="en-US" altLang="ko-KR" sz="1400" dirty="0" smtClean="0">
+              <a:solidFill>
+                <a:srgbClr val="FF0000"/>
+              </a:solidFill>
+              <a:latin typeface="+mn-ea"/>
+            </a:endParaRPr>
+          </a:p>
+        </p:txBody>
+      </p:sp>
+    </p:spTree>
+    <p:extLst>
+      <p:ext uri="{BB962C8B-B14F-4D97-AF65-F5344CB8AC3E}">
+        <p14:creationId xmlns:p14="http://schemas.microsoft.com/office/powerpoint/2010/main" val="972348366"/>
+      </p:ext>
+    </p:extLst>
+  </p:cSld>
+  <p:clrMapOvr>
+    <a:masterClrMapping/>
+  </p:clrMapOvr>
+  <p:timing>
+    <p:tnLst>
+      <p:par>
+        <p:cTn id="1" dur="indefinite" restart="never" nodeType="tmRoot"/>
+      </p:par>
+    </p:tnLst>
+  </p:timing>
+</p:sld>
+</file>
+
+<file path=ppt/slides/slide8.xml><?xml version="1.0" encoding="utf-8"?>
+<p:sld xmlns:a="http://schemas.openxmlformats.org/drawingml/2006/main" xmlns:r="http://schemas.openxmlformats.org/officeDocument/2006/relationships" xmlns:p="http://schemas.openxmlformats.org/presentationml/2006/main">
+  <p:cSld>
+    <p:spTree>
+      <p:nvGrpSpPr>
+        <p:cNvPr id="1" name=""/>
+        <p:cNvGrpSpPr/>
+        <p:nvPr/>
+      </p:nvGrpSpPr>
+      <p:grpSpPr>
+        <a:xfrm>
+          <a:off x="0" y="0"/>
+          <a:ext cx="0" cy="0"/>
+          <a:chOff x="0" y="0"/>
+          <a:chExt cx="0" cy="0"/>
+        </a:xfrm>
+      </p:grpSpPr>
+      <p:sp>
+        <p:nvSpPr>
+          <p:cNvPr id="3" name="TextBox 2"/>
+          <p:cNvSpPr txBox="1"/>
+          <p:nvPr/>
+        </p:nvSpPr>
+        <p:spPr>
+          <a:xfrm>
+            <a:off x="548640" y="470346"/>
+            <a:ext cx="8055807" cy="461665"/>
+          </a:xfrm>
+          <a:prstGeom prst="rect">
+            <a:avLst/>
+          </a:prstGeom>
+          <a:noFill/>
+        </p:spPr>
+        <p:txBody>
+          <a:bodyPr wrap="square" rtlCol="0">
+            <a:spAutoFit/>
+          </a:bodyPr>
+          <a:lstStyle/>
+          <a:p>
+            <a:r>
+              <a:rPr lang="en-US" altLang="ko-KR" sz="2400" dirty="0" smtClean="0">
+                <a:latin typeface="HY헤드라인M" pitchFamily="18" charset="-127"/>
+                <a:ea typeface="HY헤드라인M" pitchFamily="18" charset="-127"/>
+              </a:rPr>
+              <a:t>Static Site </a:t>
+            </a:r>
+            <a:r>
+              <a:rPr lang="en-US" altLang="ko-KR" sz="2400" dirty="0">
+                <a:latin typeface="HY헤드라인M" pitchFamily="18" charset="-127"/>
+                <a:ea typeface="HY헤드라인M" pitchFamily="18" charset="-127"/>
+              </a:rPr>
+              <a:t>Generation</a:t>
+            </a:r>
+            <a:endParaRPr lang="ko-KR" altLang="en-US" sz="2400" dirty="0">
+              <a:latin typeface="HY헤드라인M" pitchFamily="18" charset="-127"/>
+              <a:ea typeface="HY헤드라인M" pitchFamily="18" charset="-127"/>
+            </a:endParaRPr>
+          </a:p>
+        </p:txBody>
+      </p:sp>
+      <p:pic>
+        <p:nvPicPr>
+          <p:cNvPr id="2" name="그림 1"/>
+          <p:cNvPicPr>
+            <a:picLocks noChangeAspect="1"/>
+          </p:cNvPicPr>
+          <p:nvPr/>
+        </p:nvPicPr>
+        <p:blipFill>
+          <a:blip r:embed="rId2" cstate="print">
+            <a:extLst>
+              <a:ext uri="{28A0092B-C50C-407E-A947-70E740481C1C}">
+                <a14:useLocalDpi xmlns:a14="http://schemas.microsoft.com/office/drawing/2010/main" val="0"/>
+              </a:ext>
+            </a:extLst>
+          </a:blip>
+          <a:stretch>
+            <a:fillRect/>
+          </a:stretch>
+        </p:blipFill>
+        <p:spPr>
+          <a:xfrm>
+            <a:off x="7596744" y="2925352"/>
+            <a:ext cx="71600" cy="71600"/>
+          </a:xfrm>
+          <a:prstGeom prst="rect">
+            <a:avLst/>
+          </a:prstGeom>
+        </p:spPr>
+      </p:pic>
+      <p:sp>
+        <p:nvSpPr>
+          <p:cNvPr id="5" name="모서리가 둥근 직사각형 4"/>
+          <p:cNvSpPr/>
+          <p:nvPr/>
+        </p:nvSpPr>
+        <p:spPr>
+          <a:xfrm>
+            <a:off x="430567" y="1268760"/>
+            <a:ext cx="8164465" cy="5345844"/>
+          </a:xfrm>
+          <a:prstGeom prst="roundRect">
+            <a:avLst>
+              <a:gd name="adj" fmla="val 8134"/>
+            </a:avLst>
+          </a:prstGeom>
+          <a:ln/>
+        </p:spPr>
+        <p:style>
+          <a:lnRef idx="2">
+            <a:schemeClr val="accent1"/>
+          </a:lnRef>
+          <a:fillRef idx="1">
+            <a:schemeClr val="lt1"/>
+          </a:fillRef>
+          <a:effectRef idx="0">
+            <a:schemeClr val="accent1"/>
+          </a:effectRef>
+          <a:fontRef idx="minor">
+            <a:schemeClr val="dk1"/>
+          </a:fontRef>
+        </p:style>
+        <p:txBody>
+          <a:bodyPr rtlCol="0" anchor="t"/>
+          <a:lstStyle/>
+          <a:p>
+            <a:pPr marL="285750" indent="-285750">
+              <a:lnSpc>
+                <a:spcPct val="150000"/>
+              </a:lnSpc>
+              <a:buFont typeface="Wingdings" panose="05000000000000000000" pitchFamily="2" charset="2"/>
+              <a:buChar char="Ø"/>
+            </a:pPr>
+            <a:r>
+              <a:rPr lang="ko-KR" altLang="en-US" sz="2000" dirty="0" smtClean="0">
+                <a:solidFill>
+                  <a:srgbClr val="0000FF"/>
+                </a:solidFill>
+                <a:latin typeface="+mn-ea"/>
+              </a:rPr>
+              <a:t>정의</a:t>
+            </a:r>
+            <a:endParaRPr lang="en-US" altLang="ko-KR" sz="2000" dirty="0" smtClean="0">
+              <a:solidFill>
+                <a:srgbClr val="0000FF"/>
+              </a:solidFill>
+              <a:latin typeface="+mn-ea"/>
+            </a:endParaRPr>
+          </a:p>
+          <a:p>
+            <a:pPr marL="742950" lvl="1" indent="-285750" latinLnBrk="0">
+              <a:lnSpc>
+                <a:spcPct val="150000"/>
+              </a:lnSpc>
+              <a:buFont typeface="Arial" panose="020B0604020202020204" pitchFamily="34" charset="0"/>
+              <a:buChar char="•"/>
+            </a:pPr>
+            <a:r>
+              <a:rPr lang="en-US" altLang="ko-KR" sz="1400" dirty="0"/>
+              <a:t>SSG</a:t>
+            </a:r>
+            <a:r>
+              <a:rPr lang="ko-KR" altLang="en-US" sz="1400" dirty="0"/>
+              <a:t>에서 </a:t>
+            </a:r>
+            <a:r>
+              <a:rPr lang="en-US" altLang="ko-KR" sz="1400" dirty="0"/>
+              <a:t>HTML</a:t>
+            </a:r>
+            <a:r>
+              <a:rPr lang="ko-KR" altLang="en-US" sz="1400" dirty="0"/>
+              <a:t>은 </a:t>
+            </a:r>
+            <a:r>
+              <a:rPr lang="en-US" altLang="ko-KR" sz="1400" dirty="0"/>
+              <a:t>next build </a:t>
+            </a:r>
+            <a:r>
+              <a:rPr lang="ko-KR" altLang="en-US" sz="1400" dirty="0" err="1"/>
+              <a:t>명렁어를</a:t>
+            </a:r>
+            <a:r>
+              <a:rPr lang="ko-KR" altLang="en-US" sz="1400" dirty="0"/>
+              <a:t> 칠 때 발생한다</a:t>
+            </a:r>
+            <a:r>
+              <a:rPr lang="en-US" altLang="ko-KR" sz="1400" dirty="0"/>
+              <a:t>. </a:t>
+            </a:r>
+            <a:endParaRPr lang="en-US" altLang="ko-KR" sz="1400" dirty="0" smtClean="0"/>
+          </a:p>
+          <a:p>
+            <a:pPr marL="742950" lvl="1" indent="-285750" latinLnBrk="0">
+              <a:lnSpc>
+                <a:spcPct val="150000"/>
+              </a:lnSpc>
+              <a:buFont typeface="Arial" panose="020B0604020202020204" pitchFamily="34" charset="0"/>
+              <a:buChar char="•"/>
+            </a:pPr>
+            <a:r>
+              <a:rPr lang="ko-KR" altLang="en-US" sz="1400" dirty="0" smtClean="0"/>
+              <a:t>그 </a:t>
+            </a:r>
+            <a:r>
+              <a:rPr lang="ko-KR" altLang="en-US" sz="1400" dirty="0"/>
+              <a:t>후에는 </a:t>
+            </a:r>
+            <a:r>
+              <a:rPr lang="en-US" altLang="ko-KR" sz="1400" dirty="0"/>
+              <a:t>CDN</a:t>
+            </a:r>
+            <a:r>
+              <a:rPr lang="ko-KR" altLang="en-US" sz="1400" dirty="0"/>
+              <a:t>으로 캐시 되어지고 매 </a:t>
+            </a:r>
+            <a:r>
+              <a:rPr lang="ko-KR" altLang="en-US" sz="1400" dirty="0" err="1"/>
+              <a:t>요청마다</a:t>
+            </a:r>
+            <a:r>
+              <a:rPr lang="ko-KR" altLang="en-US" sz="1400" dirty="0"/>
+              <a:t> </a:t>
+            </a:r>
+            <a:r>
+              <a:rPr lang="en-US" altLang="ko-KR" sz="1400" dirty="0"/>
+              <a:t>HTML</a:t>
+            </a:r>
+            <a:r>
+              <a:rPr lang="ko-KR" altLang="en-US" sz="1400" dirty="0"/>
+              <a:t>을 재사용한다</a:t>
+            </a:r>
+            <a:r>
+              <a:rPr lang="en-US" altLang="ko-KR" sz="1400" dirty="0"/>
+              <a:t>. </a:t>
+            </a:r>
+            <a:endParaRPr lang="en-US" altLang="ko-KR" sz="1400" dirty="0" smtClean="0"/>
+          </a:p>
+          <a:p>
+            <a:pPr marL="742950" lvl="1" indent="-285750" latinLnBrk="0">
+              <a:lnSpc>
+                <a:spcPct val="150000"/>
+              </a:lnSpc>
+              <a:buFont typeface="Arial" panose="020B0604020202020204" pitchFamily="34" charset="0"/>
+              <a:buChar char="•"/>
+            </a:pPr>
+            <a:r>
+              <a:rPr lang="en-US" altLang="ko-KR" sz="1400" dirty="0" smtClean="0"/>
+              <a:t>Nextjs</a:t>
+            </a:r>
+            <a:r>
+              <a:rPr lang="ko-KR" altLang="en-US" sz="1400" dirty="0"/>
+              <a:t>에서는 데이터의 유무에 따라 정적으로 페이지를 만드는 것이 가능하다</a:t>
+            </a:r>
+            <a:r>
+              <a:rPr lang="en-US" altLang="ko-KR" sz="1400" dirty="0"/>
+              <a:t>. </a:t>
+            </a:r>
+            <a:endParaRPr lang="en-US" altLang="ko-KR" sz="1400" dirty="0" smtClean="0"/>
+          </a:p>
+          <a:p>
+            <a:pPr marL="742950" lvl="1" indent="-285750" latinLnBrk="0">
+              <a:lnSpc>
+                <a:spcPct val="150000"/>
+              </a:lnSpc>
+              <a:buFont typeface="Arial" panose="020B0604020202020204" pitchFamily="34" charset="0"/>
+              <a:buChar char="•"/>
+            </a:pPr>
+            <a:r>
+              <a:rPr lang="ko-KR" altLang="en-US" sz="1400" dirty="0" smtClean="0"/>
+              <a:t>각각의 </a:t>
+            </a:r>
+            <a:r>
+              <a:rPr lang="ko-KR" altLang="en-US" sz="1400" dirty="0"/>
+              <a:t>상황에 따른 </a:t>
+            </a:r>
+            <a:r>
+              <a:rPr lang="en-US" altLang="ko-KR" sz="1400" dirty="0"/>
+              <a:t>Nextjs </a:t>
+            </a:r>
+            <a:r>
+              <a:rPr lang="ko-KR" altLang="en-US" sz="1400" dirty="0"/>
+              <a:t>페이지를 만들어보자</a:t>
+            </a:r>
+            <a:r>
+              <a:rPr lang="en-US" altLang="ko-KR" sz="1400" dirty="0" smtClean="0"/>
+              <a:t>.</a:t>
+            </a:r>
+          </a:p>
+          <a:p>
+            <a:pPr marL="742950" lvl="1" indent="-285750" latinLnBrk="0">
+              <a:lnSpc>
+                <a:spcPct val="150000"/>
+              </a:lnSpc>
+              <a:buFont typeface="Arial" panose="020B0604020202020204" pitchFamily="34" charset="0"/>
+              <a:buChar char="•"/>
+            </a:pPr>
+            <a:r>
+              <a:rPr kumimoji="0" lang="ko-KR" altLang="en-US" sz="1400" dirty="0">
+                <a:solidFill>
+                  <a:schemeClr val="tx1"/>
+                </a:solidFill>
+                <a:latin typeface="+mn-ea"/>
+              </a:rPr>
+              <a:t>데이터를 </a:t>
+            </a:r>
+            <a:r>
+              <a:rPr kumimoji="0" lang="ko-KR" altLang="en-US" sz="1400" dirty="0" smtClean="0">
+                <a:solidFill>
+                  <a:schemeClr val="tx1"/>
+                </a:solidFill>
+                <a:latin typeface="+mn-ea"/>
+              </a:rPr>
+              <a:t>가져오는 기능이 없는 단순한 컴포넌트의 경우 </a:t>
+            </a:r>
+            <a:r>
+              <a:rPr kumimoji="0" lang="en-US" altLang="ko-KR" sz="1400" dirty="0" smtClean="0">
+                <a:solidFill>
+                  <a:schemeClr val="tx1"/>
+                </a:solidFill>
+                <a:latin typeface="+mn-ea"/>
+              </a:rPr>
+              <a:t>SSG</a:t>
+            </a:r>
+            <a:r>
+              <a:rPr kumimoji="0" lang="ko-KR" altLang="en-US" sz="1400" dirty="0" smtClean="0">
+                <a:solidFill>
+                  <a:schemeClr val="tx1"/>
+                </a:solidFill>
+                <a:latin typeface="+mn-ea"/>
+              </a:rPr>
+              <a:t>로 만들 수 있다</a:t>
+            </a:r>
+            <a:r>
+              <a:rPr kumimoji="0" lang="en-US" altLang="ko-KR" sz="1400" dirty="0" smtClean="0">
+                <a:solidFill>
+                  <a:schemeClr val="tx1"/>
+                </a:solidFill>
+                <a:latin typeface="+mn-ea"/>
+              </a:rPr>
+              <a:t>.</a:t>
+            </a:r>
+          </a:p>
+          <a:p>
+            <a:pPr marL="742950" lvl="1" indent="-285750" latinLnBrk="0">
+              <a:lnSpc>
+                <a:spcPct val="150000"/>
+              </a:lnSpc>
+              <a:buFont typeface="Arial" panose="020B0604020202020204" pitchFamily="34" charset="0"/>
+              <a:buChar char="•"/>
+            </a:pPr>
+            <a:r>
+              <a:rPr kumimoji="0" lang="ko-KR" altLang="en-US" sz="1400" dirty="0" smtClean="0">
+                <a:solidFill>
+                  <a:schemeClr val="tx1"/>
+                </a:solidFill>
+                <a:latin typeface="+mn-ea"/>
+              </a:rPr>
+              <a:t>사실 </a:t>
+            </a:r>
+            <a:r>
+              <a:rPr kumimoji="0" lang="ko-KR" altLang="en-US" sz="1400" dirty="0">
+                <a:solidFill>
+                  <a:schemeClr val="tx1"/>
+                </a:solidFill>
+                <a:latin typeface="+mn-ea"/>
+              </a:rPr>
+              <a:t>단순하게 컴포넌트를 만들면 </a:t>
+            </a:r>
+            <a:r>
+              <a:rPr kumimoji="0" lang="en-US" altLang="ko-KR" sz="1400" dirty="0">
+                <a:solidFill>
+                  <a:schemeClr val="tx1"/>
+                </a:solidFill>
+                <a:latin typeface="+mn-ea"/>
+              </a:rPr>
+              <a:t>SSG</a:t>
+            </a:r>
+            <a:r>
+              <a:rPr kumimoji="0" lang="ko-KR" altLang="en-US" sz="1400" dirty="0">
+                <a:solidFill>
+                  <a:schemeClr val="tx1"/>
+                </a:solidFill>
+                <a:latin typeface="+mn-ea"/>
+              </a:rPr>
+              <a:t>로 </a:t>
+            </a:r>
+            <a:r>
+              <a:rPr kumimoji="0" lang="ko-KR" altLang="en-US" sz="1400" dirty="0" smtClean="0">
+                <a:solidFill>
+                  <a:schemeClr val="tx1"/>
+                </a:solidFill>
+                <a:latin typeface="+mn-ea"/>
+              </a:rPr>
+              <a:t>동작한다</a:t>
+            </a:r>
+            <a:r>
+              <a:rPr kumimoji="0" lang="en-US" altLang="ko-KR" sz="1400" dirty="0" smtClean="0">
+                <a:solidFill>
+                  <a:schemeClr val="tx1"/>
+                </a:solidFill>
+                <a:latin typeface="+mn-ea"/>
+              </a:rPr>
+              <a:t>.</a:t>
+            </a:r>
+          </a:p>
+          <a:p>
+            <a:pPr marL="742950" lvl="1" indent="-285750" latinLnBrk="0">
+              <a:lnSpc>
+                <a:spcPct val="150000"/>
+              </a:lnSpc>
+              <a:buFont typeface="Arial" panose="020B0604020202020204" pitchFamily="34" charset="0"/>
+              <a:buChar char="•"/>
+            </a:pPr>
+            <a:r>
+              <a:rPr lang="en-US" altLang="ko-KR" sz="1400" dirty="0" smtClean="0">
+                <a:solidFill>
+                  <a:srgbClr val="FF0000"/>
+                </a:solidFill>
+              </a:rPr>
+              <a:t>React</a:t>
+            </a:r>
+            <a:r>
+              <a:rPr lang="ko-KR" altLang="en-US" sz="1400" dirty="0">
+                <a:solidFill>
+                  <a:srgbClr val="FF0000"/>
+                </a:solidFill>
+              </a:rPr>
+              <a:t>에서는 </a:t>
+            </a:r>
+            <a:r>
+              <a:rPr lang="en-US" altLang="ko-KR" sz="1400" dirty="0" err="1">
+                <a:solidFill>
+                  <a:srgbClr val="FF0000"/>
+                </a:solidFill>
+              </a:rPr>
+              <a:t>useEffect</a:t>
+            </a:r>
+            <a:r>
+              <a:rPr lang="ko-KR" altLang="en-US" sz="1400" dirty="0">
+                <a:solidFill>
+                  <a:srgbClr val="FF0000"/>
+                </a:solidFill>
+              </a:rPr>
+              <a:t>통해 데이터를 가지고 온다</a:t>
+            </a:r>
+            <a:r>
+              <a:rPr lang="en-US" altLang="ko-KR" sz="1400" dirty="0">
+                <a:solidFill>
+                  <a:srgbClr val="FF0000"/>
+                </a:solidFill>
+              </a:rPr>
+              <a:t>. </a:t>
+            </a:r>
+            <a:endParaRPr lang="en-US" altLang="ko-KR" sz="1400" dirty="0" smtClean="0">
+              <a:solidFill>
+                <a:srgbClr val="FF0000"/>
+              </a:solidFill>
+            </a:endParaRPr>
+          </a:p>
+          <a:p>
+            <a:pPr marL="742950" lvl="1" indent="-285750" latinLnBrk="0">
+              <a:lnSpc>
+                <a:spcPct val="150000"/>
+              </a:lnSpc>
+              <a:buFont typeface="Arial" panose="020B0604020202020204" pitchFamily="34" charset="0"/>
+              <a:buChar char="•"/>
+            </a:pPr>
+            <a:r>
+              <a:rPr lang="ko-KR" altLang="en-US" sz="1400" dirty="0" smtClean="0">
+                <a:solidFill>
+                  <a:srgbClr val="FF0000"/>
+                </a:solidFill>
+              </a:rPr>
+              <a:t>그러나 </a:t>
+            </a:r>
+            <a:r>
+              <a:rPr lang="ko-KR" altLang="en-US" sz="1400" dirty="0">
+                <a:solidFill>
+                  <a:srgbClr val="FF0000"/>
+                </a:solidFill>
+              </a:rPr>
+              <a:t>여기서는 </a:t>
+            </a:r>
+            <a:r>
+              <a:rPr lang="en-US" altLang="ko-KR" sz="1400" dirty="0" err="1">
+                <a:solidFill>
+                  <a:srgbClr val="FF0000"/>
+                </a:solidFill>
+              </a:rPr>
+              <a:t>useEffect</a:t>
+            </a:r>
+            <a:r>
+              <a:rPr lang="ko-KR" altLang="en-US" sz="1400" dirty="0">
+                <a:solidFill>
+                  <a:srgbClr val="FF0000"/>
+                </a:solidFill>
+              </a:rPr>
+              <a:t>를 사용하면 </a:t>
+            </a:r>
+            <a:r>
+              <a:rPr lang="en-US" altLang="ko-KR" sz="1400" dirty="0">
+                <a:solidFill>
+                  <a:srgbClr val="FF0000"/>
+                </a:solidFill>
+              </a:rPr>
+              <a:t>SSG</a:t>
+            </a:r>
+            <a:r>
+              <a:rPr lang="ko-KR" altLang="en-US" sz="1400" dirty="0">
+                <a:solidFill>
+                  <a:srgbClr val="FF0000"/>
+                </a:solidFill>
+              </a:rPr>
+              <a:t>로 작동하지 않는다</a:t>
+            </a:r>
+            <a:r>
+              <a:rPr lang="en-US" altLang="ko-KR" sz="1400" dirty="0" smtClean="0">
+                <a:solidFill>
+                  <a:srgbClr val="FF0000"/>
+                </a:solidFill>
+              </a:rPr>
+              <a:t>.</a:t>
+            </a:r>
+          </a:p>
+          <a:p>
+            <a:pPr marL="742950" lvl="1" indent="-285750" latinLnBrk="0">
+              <a:lnSpc>
+                <a:spcPct val="150000"/>
+              </a:lnSpc>
+              <a:buFont typeface="Arial" panose="020B0604020202020204" pitchFamily="34" charset="0"/>
+              <a:buChar char="•"/>
+            </a:pPr>
+            <a:r>
+              <a:rPr lang="en-US" altLang="ko-KR" sz="1400" dirty="0" smtClean="0">
+                <a:solidFill>
+                  <a:srgbClr val="70AD47"/>
+                </a:solidFill>
+              </a:rPr>
+              <a:t>Nextjs</a:t>
+            </a:r>
+            <a:r>
+              <a:rPr lang="ko-KR" altLang="en-US" sz="1400" dirty="0">
+                <a:solidFill>
+                  <a:srgbClr val="70AD47"/>
+                </a:solidFill>
+              </a:rPr>
+              <a:t>에서 </a:t>
+            </a:r>
+            <a:r>
+              <a:rPr lang="en-US" altLang="ko-KR" sz="1400" dirty="0">
+                <a:solidFill>
+                  <a:srgbClr val="70AD47"/>
+                </a:solidFill>
+              </a:rPr>
+              <a:t>SSG</a:t>
+            </a:r>
+            <a:r>
+              <a:rPr lang="ko-KR" altLang="en-US" sz="1400" dirty="0">
+                <a:solidFill>
+                  <a:srgbClr val="70AD47"/>
+                </a:solidFill>
+              </a:rPr>
+              <a:t>를 하려면</a:t>
+            </a:r>
+            <a:r>
+              <a:rPr lang="en-US" altLang="ko-KR" sz="1400" dirty="0">
+                <a:solidFill>
+                  <a:srgbClr val="70AD47"/>
+                </a:solidFill>
+              </a:rPr>
+              <a:t>, Nextjs</a:t>
+            </a:r>
+            <a:r>
+              <a:rPr lang="ko-KR" altLang="en-US" sz="1400" dirty="0">
+                <a:solidFill>
+                  <a:srgbClr val="70AD47"/>
+                </a:solidFill>
+              </a:rPr>
+              <a:t>에서 제공하는 </a:t>
+            </a:r>
+            <a:r>
+              <a:rPr lang="en-US" altLang="ko-KR" sz="1400" b="1" dirty="0" err="1">
+                <a:solidFill>
+                  <a:srgbClr val="70AD47"/>
+                </a:solidFill>
+              </a:rPr>
+              <a:t>getStaticProps</a:t>
+            </a:r>
+            <a:r>
+              <a:rPr lang="ko-KR" altLang="en-US" sz="1400" dirty="0">
+                <a:solidFill>
+                  <a:srgbClr val="70AD47"/>
+                </a:solidFill>
+              </a:rPr>
+              <a:t>나 </a:t>
+            </a:r>
+            <a:r>
+              <a:rPr lang="en-US" altLang="ko-KR" sz="1400" b="1" dirty="0" err="1">
+                <a:solidFill>
+                  <a:srgbClr val="70AD47"/>
+                </a:solidFill>
+              </a:rPr>
+              <a:t>getStaticPaths</a:t>
+            </a:r>
+            <a:r>
+              <a:rPr lang="ko-KR" altLang="en-US" sz="1400" dirty="0">
+                <a:solidFill>
+                  <a:srgbClr val="70AD47"/>
+                </a:solidFill>
+              </a:rPr>
+              <a:t>를 사용한다</a:t>
+            </a:r>
+            <a:r>
+              <a:rPr lang="en-US" altLang="ko-KR" sz="1400" dirty="0">
+                <a:solidFill>
+                  <a:srgbClr val="70AD47"/>
+                </a:solidFill>
+              </a:rPr>
+              <a:t>. </a:t>
+            </a:r>
+            <a:endParaRPr lang="en-US" altLang="ko-KR" sz="1400" dirty="0" smtClean="0">
+              <a:solidFill>
+                <a:srgbClr val="70AD47"/>
+              </a:solidFill>
+            </a:endParaRPr>
+          </a:p>
+          <a:p>
+            <a:pPr marL="742950" lvl="1" indent="-285750" latinLnBrk="0">
+              <a:lnSpc>
+                <a:spcPct val="150000"/>
+              </a:lnSpc>
+              <a:buFont typeface="Arial" panose="020B0604020202020204" pitchFamily="34" charset="0"/>
+              <a:buChar char="•"/>
+            </a:pPr>
+            <a:r>
+              <a:rPr lang="en-US" altLang="ko-KR" sz="1400" dirty="0"/>
+              <a:t>Static Generation</a:t>
+            </a:r>
+            <a:r>
+              <a:rPr lang="ko-KR" altLang="en-US" sz="1400" dirty="0"/>
+              <a:t>은 페이지를 빌드하면 </a:t>
+            </a:r>
+            <a:r>
+              <a:rPr lang="en-US" altLang="ko-KR" sz="1400" dirty="0"/>
+              <a:t>CDN</a:t>
+            </a:r>
+            <a:r>
+              <a:rPr lang="ko-KR" altLang="en-US" sz="1400" dirty="0"/>
+              <a:t>으로 제공되므로</a:t>
+            </a:r>
+            <a:r>
+              <a:rPr lang="en-US" altLang="ko-KR" sz="1400" dirty="0"/>
+              <a:t>, </a:t>
+            </a:r>
+            <a:r>
+              <a:rPr lang="ko-KR" altLang="en-US" sz="1400" dirty="0"/>
+              <a:t>매 요청 시 페이지를 </a:t>
+            </a:r>
+            <a:r>
+              <a:rPr lang="ko-KR" altLang="en-US" sz="1400" dirty="0" err="1"/>
+              <a:t>랜더</a:t>
+            </a:r>
+            <a:r>
+              <a:rPr lang="ko-KR" altLang="en-US" sz="1400" dirty="0"/>
+              <a:t> 하는 서버보다 빠르다</a:t>
+            </a:r>
+            <a:r>
+              <a:rPr lang="en-US" altLang="ko-KR" sz="1400" dirty="0"/>
+              <a:t>. </a:t>
+            </a:r>
+            <a:endParaRPr lang="en-US" altLang="ko-KR" sz="1400" dirty="0" smtClean="0"/>
+          </a:p>
+          <a:p>
+            <a:pPr marL="742950" lvl="1" indent="-285750" latinLnBrk="0">
+              <a:lnSpc>
+                <a:spcPct val="150000"/>
+              </a:lnSpc>
+              <a:buFont typeface="Arial" panose="020B0604020202020204" pitchFamily="34" charset="0"/>
+              <a:buChar char="•"/>
+            </a:pPr>
+            <a:r>
+              <a:rPr lang="ko-KR" altLang="en-US" sz="1400" dirty="0" smtClean="0"/>
+              <a:t>따라서 </a:t>
+            </a:r>
+            <a:r>
+              <a:rPr lang="ko-KR" altLang="en-US" sz="1400" dirty="0"/>
+              <a:t>가능하면 언제나 </a:t>
+            </a:r>
+            <a:r>
+              <a:rPr lang="en-US" altLang="ko-KR" sz="1400" dirty="0"/>
+              <a:t>Static Generation</a:t>
+            </a:r>
+            <a:r>
+              <a:rPr lang="ko-KR" altLang="en-US" sz="1400" dirty="0"/>
+              <a:t>을 사용하는 것이 좋다</a:t>
+            </a:r>
+            <a:r>
+              <a:rPr lang="en-US" altLang="ko-KR" sz="1400" dirty="0"/>
+              <a:t>.</a:t>
+            </a:r>
+            <a:endParaRPr kumimoji="0" lang="en-US" altLang="ko-KR" sz="1400" dirty="0" smtClean="0">
+              <a:solidFill>
+                <a:srgbClr val="70AD47"/>
+              </a:solidFill>
+              <a:latin typeface="+mn-ea"/>
+            </a:endParaRPr>
+          </a:p>
+        </p:txBody>
+      </p:sp>
+    </p:spTree>
+    <p:extLst>
+      <p:ext uri="{BB962C8B-B14F-4D97-AF65-F5344CB8AC3E}">
+        <p14:creationId xmlns:p14="http://schemas.microsoft.com/office/powerpoint/2010/main" val="794188601"/>
+      </p:ext>
+    </p:extLst>
+  </p:cSld>
+  <p:clrMapOvr>
+    <a:masterClrMapping/>
+  </p:clrMapOvr>
+  <p:timing>
+    <p:tnLst>
+      <p:par>
+        <p:cTn id="1" dur="indefinite" restart="never" nodeType="tmRoot"/>
+      </p:par>
+    </p:tnLst>
+  </p:timing>
+</p:sld>
+</file>
+
+<file path=ppt/slides/slide9.xml><?xml version="1.0" encoding="utf-8"?>
+<p:sld xmlns:a="http://schemas.openxmlformats.org/drawingml/2006/main" xmlns:r="http://schemas.openxmlformats.org/officeDocument/2006/relationships" xmlns:p="http://schemas.openxmlformats.org/presentationml/2006/main">
+  <p:cSld>
+    <p:spTree>
+      <p:nvGrpSpPr>
+        <p:cNvPr id="1" name=""/>
+        <p:cNvGrpSpPr/>
+        <p:nvPr/>
+      </p:nvGrpSpPr>
+      <p:grpSpPr>
+        <a:xfrm>
+          <a:off x="0" y="0"/>
+          <a:ext cx="0" cy="0"/>
+          <a:chOff x="0" y="0"/>
+          <a:chExt cx="0" cy="0"/>
+        </a:xfrm>
+      </p:grpSpPr>
+      <p:sp>
+        <p:nvSpPr>
+          <p:cNvPr id="3" name="TextBox 2"/>
+          <p:cNvSpPr txBox="1"/>
+          <p:nvPr/>
+        </p:nvSpPr>
+        <p:spPr>
+          <a:xfrm>
+            <a:off x="548640" y="470346"/>
+            <a:ext cx="8055807" cy="461665"/>
+          </a:xfrm>
+          <a:prstGeom prst="rect">
+            <a:avLst/>
+          </a:prstGeom>
+          <a:noFill/>
+        </p:spPr>
+        <p:txBody>
+          <a:bodyPr wrap="square" rtlCol="0">
+            <a:spAutoFit/>
+          </a:bodyPr>
+          <a:lstStyle/>
+          <a:p>
+            <a:r>
+              <a:rPr lang="en-US" altLang="ko-KR" sz="2400" dirty="0">
+                <a:latin typeface="HY헤드라인M" pitchFamily="18" charset="-127"/>
+                <a:ea typeface="HY헤드라인M" pitchFamily="18" charset="-127"/>
+              </a:rPr>
+              <a:t>Server-side Rendering</a:t>
+            </a:r>
+            <a:endParaRPr lang="ko-KR" altLang="en-US" sz="2400" dirty="0">
+              <a:latin typeface="HY헤드라인M" pitchFamily="18" charset="-127"/>
+              <a:ea typeface="HY헤드라인M" pitchFamily="18" charset="-127"/>
+            </a:endParaRPr>
+          </a:p>
+        </p:txBody>
+      </p:sp>
+      <p:pic>
+        <p:nvPicPr>
+          <p:cNvPr id="2" name="그림 1"/>
+          <p:cNvPicPr>
+            <a:picLocks noChangeAspect="1"/>
+          </p:cNvPicPr>
+          <p:nvPr/>
+        </p:nvPicPr>
+        <p:blipFill>
+          <a:blip r:embed="rId2" cstate="print">
+            <a:extLst>
+              <a:ext uri="{28A0092B-C50C-407E-A947-70E740481C1C}">
+                <a14:useLocalDpi xmlns:a14="http://schemas.microsoft.com/office/drawing/2010/main" val="0"/>
+              </a:ext>
+            </a:extLst>
+          </a:blip>
+          <a:stretch>
+            <a:fillRect/>
+          </a:stretch>
+        </p:blipFill>
+        <p:spPr>
+          <a:xfrm>
+            <a:off x="7596744" y="2925352"/>
+            <a:ext cx="71600" cy="71600"/>
+          </a:xfrm>
+          <a:prstGeom prst="rect">
+            <a:avLst/>
+          </a:prstGeom>
+        </p:spPr>
+      </p:pic>
+      <p:sp>
+        <p:nvSpPr>
+          <p:cNvPr id="5" name="모서리가 둥근 직사각형 4"/>
+          <p:cNvSpPr/>
+          <p:nvPr/>
+        </p:nvSpPr>
+        <p:spPr>
+          <a:xfrm>
+            <a:off x="430567" y="1268760"/>
+            <a:ext cx="8164465" cy="5345844"/>
+          </a:xfrm>
+          <a:prstGeom prst="roundRect">
+            <a:avLst>
+              <a:gd name="adj" fmla="val 8134"/>
+            </a:avLst>
+          </a:prstGeom>
+          <a:ln/>
+        </p:spPr>
+        <p:style>
+          <a:lnRef idx="2">
+            <a:schemeClr val="accent1"/>
+          </a:lnRef>
+          <a:fillRef idx="1">
+            <a:schemeClr val="lt1"/>
+          </a:fillRef>
+          <a:effectRef idx="0">
+            <a:schemeClr val="accent1"/>
+          </a:effectRef>
+          <a:fontRef idx="minor">
+            <a:schemeClr val="dk1"/>
+          </a:fontRef>
+        </p:style>
+        <p:txBody>
+          <a:bodyPr rtlCol="0" anchor="t"/>
+          <a:lstStyle/>
+          <a:p>
+            <a:pPr marL="285750" indent="-285750">
+              <a:lnSpc>
+                <a:spcPct val="150000"/>
+              </a:lnSpc>
+              <a:buFont typeface="Wingdings" panose="05000000000000000000" pitchFamily="2" charset="2"/>
+              <a:buChar char="Ø"/>
+            </a:pPr>
+            <a:r>
+              <a:rPr lang="ko-KR" altLang="en-US" sz="2000" dirty="0" smtClean="0">
+                <a:solidFill>
+                  <a:srgbClr val="0000FF"/>
+                </a:solidFill>
+                <a:latin typeface="+mn-ea"/>
+              </a:rPr>
+              <a:t>정의</a:t>
+            </a:r>
+            <a:endParaRPr lang="en-US" altLang="ko-KR" sz="2000" dirty="0" smtClean="0">
+              <a:solidFill>
+                <a:srgbClr val="0000FF"/>
+              </a:solidFill>
+              <a:latin typeface="+mn-ea"/>
+            </a:endParaRPr>
+          </a:p>
+          <a:p>
+            <a:pPr marL="742950" lvl="1" indent="-285750" latinLnBrk="0">
+              <a:lnSpc>
+                <a:spcPct val="150000"/>
+              </a:lnSpc>
+              <a:buFont typeface="Arial" panose="020B0604020202020204" pitchFamily="34" charset="0"/>
+              <a:buChar char="•"/>
+            </a:pPr>
+            <a:r>
+              <a:rPr lang="ko-KR" altLang="en-US" sz="1400" dirty="0">
+                <a:solidFill>
+                  <a:srgbClr val="FF0000"/>
+                </a:solidFill>
+              </a:rPr>
+              <a:t>기본적으로 </a:t>
+            </a:r>
+            <a:r>
+              <a:rPr lang="en-US" altLang="ko-KR" sz="1400" dirty="0">
+                <a:solidFill>
+                  <a:srgbClr val="FF0000"/>
+                </a:solidFill>
+              </a:rPr>
+              <a:t>Server-side Rendering</a:t>
+            </a:r>
+            <a:r>
+              <a:rPr lang="ko-KR" altLang="en-US" sz="1400" dirty="0">
+                <a:solidFill>
+                  <a:srgbClr val="FF0000"/>
+                </a:solidFill>
+              </a:rPr>
+              <a:t>은 </a:t>
+            </a:r>
+            <a:r>
+              <a:rPr lang="en-US" altLang="ko-KR" sz="1400" dirty="0">
+                <a:solidFill>
+                  <a:srgbClr val="FF0000"/>
+                </a:solidFill>
+              </a:rPr>
+              <a:t>SSR</a:t>
+            </a:r>
+            <a:r>
+              <a:rPr lang="ko-KR" altLang="en-US" sz="1400" dirty="0">
+                <a:solidFill>
+                  <a:srgbClr val="FF0000"/>
+                </a:solidFill>
+              </a:rPr>
+              <a:t>이나 </a:t>
+            </a:r>
+            <a:r>
+              <a:rPr lang="en-US" altLang="ko-KR" sz="1400" dirty="0">
+                <a:solidFill>
+                  <a:srgbClr val="FF0000"/>
+                </a:solidFill>
+              </a:rPr>
+              <a:t>Dynamic Rendering</a:t>
+            </a:r>
+            <a:r>
+              <a:rPr lang="ko-KR" altLang="en-US" sz="1400" dirty="0">
+                <a:solidFill>
+                  <a:srgbClr val="FF0000"/>
+                </a:solidFill>
+              </a:rPr>
+              <a:t>이라고도 부른다</a:t>
+            </a:r>
+            <a:r>
+              <a:rPr lang="en-US" altLang="ko-KR" sz="1400" dirty="0">
+                <a:solidFill>
+                  <a:srgbClr val="FF0000"/>
+                </a:solidFill>
+              </a:rPr>
+              <a:t>. </a:t>
+            </a:r>
+            <a:endParaRPr lang="en-US" altLang="ko-KR" sz="1400" dirty="0" smtClean="0">
+              <a:solidFill>
+                <a:srgbClr val="FF0000"/>
+              </a:solidFill>
+            </a:endParaRPr>
+          </a:p>
+          <a:p>
+            <a:pPr marL="742950" lvl="1" indent="-285750" latinLnBrk="0">
+              <a:lnSpc>
+                <a:spcPct val="150000"/>
+              </a:lnSpc>
+              <a:buFont typeface="Arial" panose="020B0604020202020204" pitchFamily="34" charset="0"/>
+              <a:buChar char="•"/>
+            </a:pPr>
+            <a:r>
+              <a:rPr lang="en-US" altLang="ko-KR" sz="1400" dirty="0" smtClean="0"/>
+              <a:t>SSR</a:t>
+            </a:r>
+            <a:r>
+              <a:rPr lang="ko-KR" altLang="en-US" sz="1400" dirty="0"/>
+              <a:t>을 사용하면 매 </a:t>
+            </a:r>
+            <a:r>
+              <a:rPr lang="ko-KR" altLang="en-US" sz="1400" dirty="0" smtClean="0"/>
+              <a:t>요청 마다 새로운 </a:t>
+            </a:r>
+            <a:r>
+              <a:rPr lang="en-US" altLang="ko-KR" sz="1400" dirty="0" smtClean="0"/>
+              <a:t>HTML </a:t>
+            </a:r>
+            <a:r>
+              <a:rPr lang="ko-KR" altLang="en-US" sz="1400" dirty="0"/>
+              <a:t>페이지가 생성된다</a:t>
+            </a:r>
+            <a:r>
+              <a:rPr lang="en-US" altLang="ko-KR" sz="1400" dirty="0"/>
+              <a:t>. </a:t>
+            </a:r>
+            <a:endParaRPr lang="en-US" altLang="ko-KR" sz="1400" dirty="0" smtClean="0"/>
+          </a:p>
+          <a:p>
+            <a:pPr marL="742950" lvl="1" indent="-285750" latinLnBrk="0">
+              <a:lnSpc>
+                <a:spcPct val="150000"/>
+              </a:lnSpc>
+              <a:buFont typeface="Arial" panose="020B0604020202020204" pitchFamily="34" charset="0"/>
+              <a:buChar char="•"/>
+            </a:pPr>
+            <a:r>
+              <a:rPr lang="ko-KR" altLang="en-US" sz="1400" dirty="0" smtClean="0"/>
+              <a:t>이러한 </a:t>
+            </a:r>
+            <a:r>
+              <a:rPr lang="en-US" altLang="ko-KR" sz="1400" dirty="0"/>
+              <a:t>SSR</a:t>
+            </a:r>
+            <a:r>
+              <a:rPr lang="ko-KR" altLang="en-US" sz="1400" dirty="0"/>
+              <a:t>을 사용하기 위해서는 매 </a:t>
+            </a:r>
+            <a:r>
+              <a:rPr lang="ko-KR" altLang="en-US" sz="1400" dirty="0" err="1"/>
+              <a:t>요청마다</a:t>
+            </a:r>
+            <a:r>
+              <a:rPr lang="ko-KR" altLang="en-US" sz="1400" dirty="0"/>
+              <a:t> 서버에 의해 </a:t>
+            </a:r>
+            <a:r>
+              <a:rPr lang="ko-KR" altLang="en-US" sz="1400" dirty="0" smtClean="0"/>
+              <a:t>호출되는 </a:t>
+            </a:r>
+            <a:r>
+              <a:rPr lang="en-US" altLang="ko-KR" sz="1400" dirty="0" err="1" smtClean="0">
+                <a:solidFill>
+                  <a:srgbClr val="FF0000"/>
+                </a:solidFill>
+              </a:rPr>
+              <a:t>getServerSideProps</a:t>
+            </a:r>
+            <a:r>
+              <a:rPr lang="en-US" altLang="ko-KR" sz="1400" dirty="0" smtClean="0">
+                <a:solidFill>
+                  <a:srgbClr val="FF0000"/>
+                </a:solidFill>
+              </a:rPr>
+              <a:t> </a:t>
+            </a:r>
+            <a:r>
+              <a:rPr lang="ko-KR" altLang="en-US" sz="1400" dirty="0">
+                <a:solidFill>
+                  <a:srgbClr val="FF0000"/>
+                </a:solidFill>
+              </a:rPr>
+              <a:t>함수를 </a:t>
+            </a:r>
+            <a:r>
+              <a:rPr lang="en-US" altLang="ko-KR" sz="1400" dirty="0">
+                <a:solidFill>
+                  <a:srgbClr val="FF0000"/>
+                </a:solidFill>
+              </a:rPr>
+              <a:t>export </a:t>
+            </a:r>
+            <a:r>
+              <a:rPr lang="ko-KR" altLang="en-US" sz="1400" dirty="0">
+                <a:solidFill>
+                  <a:srgbClr val="FF0000"/>
+                </a:solidFill>
+              </a:rPr>
+              <a:t>하는 것이 필요하다</a:t>
+            </a:r>
+            <a:r>
+              <a:rPr lang="en-US" altLang="ko-KR" sz="1400" dirty="0">
+                <a:solidFill>
+                  <a:srgbClr val="FF0000"/>
+                </a:solidFill>
+              </a:rPr>
+              <a:t>. </a:t>
+            </a:r>
+            <a:endParaRPr lang="en-US" altLang="ko-KR" sz="1400" dirty="0" smtClean="0">
+              <a:solidFill>
+                <a:srgbClr val="FF0000"/>
+              </a:solidFill>
+            </a:endParaRPr>
+          </a:p>
+          <a:p>
+            <a:pPr marL="742950" lvl="1" indent="-285750" latinLnBrk="0">
+              <a:lnSpc>
+                <a:spcPct val="150000"/>
+              </a:lnSpc>
+              <a:buFont typeface="Arial" panose="020B0604020202020204" pitchFamily="34" charset="0"/>
+              <a:buChar char="•"/>
+            </a:pPr>
+            <a:r>
+              <a:rPr kumimoji="0" lang="en-US" altLang="ko-KR" sz="1400" dirty="0" err="1">
+                <a:solidFill>
+                  <a:schemeClr val="tx1"/>
+                </a:solidFill>
+                <a:latin typeface="+mn-ea"/>
+              </a:rPr>
+              <a:t>getServerSideProps</a:t>
+            </a:r>
+            <a:r>
+              <a:rPr kumimoji="0" lang="ko-KR" altLang="en-US" sz="1400" dirty="0">
+                <a:solidFill>
+                  <a:schemeClr val="tx1"/>
+                </a:solidFill>
+                <a:latin typeface="+mn-ea"/>
+              </a:rPr>
+              <a:t>는 </a:t>
+            </a:r>
+            <a:r>
+              <a:rPr kumimoji="0" lang="en-US" altLang="ko-KR" sz="1400" dirty="0" err="1">
+                <a:solidFill>
+                  <a:schemeClr val="tx1"/>
+                </a:solidFill>
+                <a:latin typeface="+mn-ea"/>
+              </a:rPr>
+              <a:t>getStaticProps</a:t>
+            </a:r>
+            <a:r>
+              <a:rPr kumimoji="0" lang="ko-KR" altLang="en-US" sz="1400" dirty="0">
+                <a:solidFill>
+                  <a:schemeClr val="tx1"/>
+                </a:solidFill>
+                <a:latin typeface="+mn-ea"/>
+              </a:rPr>
+              <a:t>와 </a:t>
+            </a:r>
+            <a:r>
+              <a:rPr kumimoji="0" lang="ko-KR" altLang="en-US" sz="1400" dirty="0" smtClean="0">
+                <a:solidFill>
+                  <a:schemeClr val="tx1"/>
+                </a:solidFill>
+                <a:latin typeface="+mn-ea"/>
+              </a:rPr>
+              <a:t>동작은 비슷하지만 돌아가는 </a:t>
+            </a:r>
+            <a:r>
+              <a:rPr kumimoji="0" lang="ko-KR" altLang="en-US" sz="1400" dirty="0">
+                <a:solidFill>
+                  <a:schemeClr val="tx1"/>
+                </a:solidFill>
+                <a:latin typeface="+mn-ea"/>
+              </a:rPr>
+              <a:t>방식을 보면 </a:t>
+            </a:r>
+            <a:r>
+              <a:rPr kumimoji="0" lang="en-US" altLang="ko-KR" sz="1400" dirty="0" err="1">
+                <a:solidFill>
+                  <a:srgbClr val="70AD47"/>
+                </a:solidFill>
+                <a:latin typeface="+mn-ea"/>
+              </a:rPr>
+              <a:t>getServerSideProps</a:t>
+            </a:r>
+            <a:r>
+              <a:rPr kumimoji="0" lang="ko-KR" altLang="en-US" sz="1400" dirty="0">
+                <a:solidFill>
+                  <a:srgbClr val="70AD47"/>
+                </a:solidFill>
+                <a:latin typeface="+mn-ea"/>
+              </a:rPr>
+              <a:t>는 빌드 시에 요청하는 것이 아닌 매 </a:t>
+            </a:r>
+            <a:r>
+              <a:rPr kumimoji="0" lang="ko-KR" altLang="en-US" sz="1400" dirty="0" smtClean="0">
+                <a:solidFill>
+                  <a:srgbClr val="70AD47"/>
+                </a:solidFill>
+                <a:latin typeface="+mn-ea"/>
+              </a:rPr>
+              <a:t>요청 마다 </a:t>
+            </a:r>
+            <a:r>
+              <a:rPr kumimoji="0" lang="ko-KR" altLang="en-US" sz="1400" dirty="0">
+                <a:solidFill>
+                  <a:srgbClr val="70AD47"/>
+                </a:solidFill>
+                <a:latin typeface="+mn-ea"/>
+              </a:rPr>
+              <a:t>함수가 작동한다</a:t>
+            </a:r>
+            <a:r>
+              <a:rPr kumimoji="0" lang="en-US" altLang="ko-KR" sz="1400" dirty="0">
+                <a:solidFill>
+                  <a:srgbClr val="70AD47"/>
+                </a:solidFill>
+                <a:latin typeface="+mn-ea"/>
+              </a:rPr>
+              <a:t>.</a:t>
+            </a:r>
+            <a:endParaRPr kumimoji="0" lang="en-US" altLang="ko-KR" sz="1400" dirty="0" smtClean="0">
+              <a:solidFill>
+                <a:srgbClr val="70AD47"/>
+              </a:solidFill>
+              <a:latin typeface="+mn-ea"/>
+            </a:endParaRPr>
+          </a:p>
+        </p:txBody>
+      </p:sp>
+    </p:spTree>
+    <p:extLst>
+      <p:ext uri="{BB962C8B-B14F-4D97-AF65-F5344CB8AC3E}">
+        <p14:creationId xmlns:p14="http://schemas.microsoft.com/office/powerpoint/2010/main" val="2023277516"/>
       </p:ext>
     </p:extLst>
   </p:cSld>
